--- a/ISN Présentation (Tao).pptx
+++ b/ISN Présentation (Tao).pptx
@@ -3853,7 +3853,7 @@
         <p:spPr>
           <a:xfrm>
             <a:off x="1523880" y="309600"/>
-            <a:ext cx="9142560" cy="800280"/>
+            <a:ext cx="9142200" cy="799920"/>
           </a:xfrm>
           <a:prstGeom prst="rect">
             <a:avLst/>
@@ -3921,7 +3921,7 @@
         <p:spPr>
           <a:xfrm>
             <a:off x="0" y="1080000"/>
-            <a:ext cx="12190680" cy="4989600"/>
+            <a:ext cx="12190320" cy="4989240"/>
           </a:xfrm>
           <a:prstGeom prst="rect">
             <a:avLst/>
@@ -3989,7 +3989,7 @@
         <p:spPr>
           <a:xfrm>
             <a:off x="1299240" y="116640"/>
-            <a:ext cx="9630000" cy="6642720"/>
+            <a:ext cx="9629640" cy="6642360"/>
           </a:xfrm>
           <a:prstGeom prst="rect">
             <a:avLst/>
@@ -7571,7 +7571,7 @@
         <p:spPr>
           <a:xfrm>
             <a:off x="657000" y="294120"/>
-            <a:ext cx="10877040" cy="6287760"/>
+            <a:ext cx="10876680" cy="6287400"/>
           </a:xfrm>
           <a:prstGeom prst="rect">
             <a:avLst/>
@@ -10655,7 +10655,7 @@
         <p:spPr>
           <a:xfrm>
             <a:off x="838080" y="365040"/>
-            <a:ext cx="10514160" cy="1324080"/>
+            <a:ext cx="10513800" cy="1323720"/>
           </a:xfrm>
           <a:prstGeom prst="rect">
             <a:avLst/>
@@ -10717,7 +10717,7 @@
         <p:spPr>
           <a:xfrm>
             <a:off x="3943800" y="2599560"/>
-            <a:ext cx="4369320" cy="1700280"/>
+            <a:ext cx="4368960" cy="1699920"/>
           </a:xfrm>
           <a:prstGeom prst="rect">
             <a:avLst/>
@@ -10752,6 +10752,7 @@
                   </a:solidFill>
                 </a:uFill>
                 <a:latin typeface="Calibri"/>
+                <a:ea typeface="DejaVu Sans"/>
               </a:rPr>
               <a:t>Themes/default/views/members/login.php</a:t>
             </a:r>
@@ -10784,6 +10785,7 @@
                   </a:solidFill>
                 </a:uFill>
                 <a:latin typeface="Calibri"/>
+                <a:ea typeface="DejaVu Sans"/>
               </a:rPr>
               <a:t>	</a:t>
             </a:r>
@@ -10798,6 +10800,7 @@
                   </a:solidFill>
                 </a:uFill>
                 <a:latin typeface="Calibri"/>
+                <a:ea typeface="DejaVu Sans"/>
               </a:rPr>
               <a:t>Formulaire POST redirigeant vers la même page</a:t>
             </a:r>
@@ -10830,6 +10833,7 @@
                   </a:solidFill>
                 </a:uFill>
                 <a:latin typeface="Calibri"/>
+                <a:ea typeface="DejaVu Sans"/>
               </a:rPr>
               <a:t>	</a:t>
             </a:r>
@@ -10844,6 +10848,7 @@
                   </a:solidFill>
                 </a:uFill>
                 <a:latin typeface="Calibri"/>
+                <a:ea typeface="DejaVu Sans"/>
               </a:rPr>
               <a:t>	</a:t>
             </a:r>
@@ -10858,6 +10863,7 @@
                   </a:solidFill>
                 </a:uFill>
                 <a:latin typeface="Calibri"/>
+                <a:ea typeface="DejaVu Sans"/>
               </a:rPr>
               <a:t>Champ “name” de type text</a:t>
             </a:r>
@@ -10890,6 +10896,7 @@
                   </a:solidFill>
                 </a:uFill>
                 <a:latin typeface="Calibri"/>
+                <a:ea typeface="DejaVu Sans"/>
               </a:rPr>
               <a:t>	</a:t>
             </a:r>
@@ -10904,6 +10911,7 @@
                   </a:solidFill>
                 </a:uFill>
                 <a:latin typeface="Calibri"/>
+                <a:ea typeface="DejaVu Sans"/>
               </a:rPr>
               <a:t>	</a:t>
             </a:r>
@@ -10918,6 +10926,7 @@
                   </a:solidFill>
                 </a:uFill>
                 <a:latin typeface="Calibri"/>
+                <a:ea typeface="DejaVu Sans"/>
               </a:rPr>
               <a:t>Champ “pwd” de type password</a:t>
             </a:r>
@@ -10950,6 +10959,7 @@
                   </a:solidFill>
                 </a:uFill>
                 <a:latin typeface="Calibri"/>
+                <a:ea typeface="DejaVu Sans"/>
               </a:rPr>
               <a:t>	</a:t>
             </a:r>
@@ -10964,6 +10974,7 @@
                   </a:solidFill>
                 </a:uFill>
                 <a:latin typeface="Calibri"/>
+                <a:ea typeface="DejaVu Sans"/>
               </a:rPr>
               <a:t>	</a:t>
             </a:r>
@@ -10978,6 +10989,7 @@
                   </a:solidFill>
                 </a:uFill>
                 <a:latin typeface="Calibri"/>
+                <a:ea typeface="DejaVu Sans"/>
               </a:rPr>
               <a:t>Champ “cookies” de type checkbox</a:t>
             </a:r>
@@ -11028,6 +11040,7 @@
                   </a:solidFill>
                 </a:uFill>
                 <a:latin typeface="Calibri"/>
+                <a:ea typeface="DejaVu Sans"/>
               </a:rPr>
               <a:t>	</a:t>
             </a:r>
@@ -11042,6 +11055,7 @@
                   </a:solidFill>
                 </a:uFill>
                 <a:latin typeface="Calibri"/>
+                <a:ea typeface="DejaVu Sans"/>
               </a:rPr>
               <a:t>	</a:t>
             </a:r>
@@ -11056,6 +11070,7 @@
                   </a:solidFill>
                 </a:uFill>
                 <a:latin typeface="Calibri"/>
+                <a:ea typeface="DejaVu Sans"/>
               </a:rPr>
               <a:t>Lien vers page d”inscription</a:t>
             </a:r>
@@ -11088,6 +11103,7 @@
                   </a:solidFill>
                 </a:uFill>
                 <a:latin typeface="Calibri"/>
+                <a:ea typeface="DejaVu Sans"/>
               </a:rPr>
               <a:t>	</a:t>
             </a:r>
@@ -11102,6 +11118,7 @@
                   </a:solidFill>
                 </a:uFill>
                 <a:latin typeface="Calibri"/>
+                <a:ea typeface="DejaVu Sans"/>
               </a:rPr>
               <a:t>	</a:t>
             </a:r>
@@ -11116,6 +11133,7 @@
                   </a:solidFill>
                 </a:uFill>
                 <a:latin typeface="Calibri"/>
+                <a:ea typeface="DejaVu Sans"/>
               </a:rPr>
               <a:t>Bouton déclenchant l’envoi des données, label “login”</a:t>
             </a:r>
@@ -11182,3954 +11200,29 @@
           <a:chExt cx="0" cy="0"/>
         </a:xfrm>
       </p:grpSpPr>
-      <p:sp>
-        <p:nvSpPr>
-          <p:cNvPr id="98" name="CustomShape 1"/>
-          <p:cNvSpPr/>
+      <p:pic>
+        <p:nvPicPr>
+          <p:cNvPr id="98" name="" descr=""/>
+          <p:cNvPicPr/>
           <p:nvPr/>
-        </p:nvSpPr>
+        </p:nvPicPr>
+        <p:blipFill>
+          <a:blip r:embed="rId1"/>
+          <a:stretch/>
+        </p:blipFill>
         <p:spPr>
           <a:xfrm>
-            <a:off x="1334880" y="223560"/>
-            <a:ext cx="9587160" cy="6452640"/>
+            <a:off x="751320" y="119880"/>
+            <a:ext cx="10689480" cy="6618240"/>
           </a:xfrm>
           <a:prstGeom prst="rect">
             <a:avLst/>
           </a:prstGeom>
-          <a:noFill/>
           <a:ln>
             <a:noFill/>
           </a:ln>
         </p:spPr>
-        <p:style>
-          <a:lnRef idx="0"/>
-          <a:fillRef idx="0"/>
-          <a:effectRef idx="0"/>
-          <a:fontRef idx="minor"/>
-        </p:style>
-        <p:txBody>
-          <a:bodyPr lIns="90000" rIns="90000" tIns="45000" bIns="45000"/>
-          <a:p>
-            <a:r>
-              <a:rPr b="0" lang="en-US" sz="1050" spc="-1" strike="noStrike">
-                <a:solidFill>
-                  <a:srgbClr val="000000"/>
-                </a:solidFill>
-                <a:uFill>
-                  <a:solidFill>
-                    <a:srgbClr val="ffffff"/>
-                  </a:solidFill>
-                </a:uFill>
-                <a:latin typeface="Arial"/>
-              </a:rPr>
-              <a:t>	</a:t>
-            </a:r>
-            <a:r>
-              <a:rPr b="0" lang="en-US" sz="1050" spc="-1" strike="noStrike">
-                <a:solidFill>
-                  <a:srgbClr val="000000"/>
-                </a:solidFill>
-                <a:uFill>
-                  <a:solidFill>
-                    <a:srgbClr val="ffffff"/>
-                  </a:solidFill>
-                </a:uFill>
-                <a:latin typeface="Arial"/>
-              </a:rPr>
-              <a:t>&lt;form class="form-horizontal col-lg-12" method="post" action=""&gt;</a:t>
-            </a:r>
-            <a:endParaRPr b="0" lang="en-US" sz="1050" spc="-1" strike="noStrike">
-              <a:solidFill>
-                <a:srgbClr val="000000"/>
-              </a:solidFill>
-              <a:uFill>
-                <a:solidFill>
-                  <a:srgbClr val="ffffff"/>
-                </a:solidFill>
-              </a:uFill>
-              <a:latin typeface="Arial"/>
-            </a:endParaRPr>
-          </a:p>
-          <a:p>
-            <a:r>
-              <a:rPr b="0" lang="en-US" sz="1050" spc="-1" strike="noStrike">
-                <a:solidFill>
-                  <a:srgbClr val="000000"/>
-                </a:solidFill>
-                <a:uFill>
-                  <a:solidFill>
-                    <a:srgbClr val="ffffff"/>
-                  </a:solidFill>
-                </a:uFill>
-                <a:latin typeface="Arial"/>
-              </a:rPr>
-              <a:t>	</a:t>
-            </a:r>
-            <a:r>
-              <a:rPr b="0" lang="en-US" sz="1050" spc="-1" strike="noStrike">
-                <a:solidFill>
-                  <a:srgbClr val="000000"/>
-                </a:solidFill>
-                <a:uFill>
-                  <a:solidFill>
-                    <a:srgbClr val="ffffff"/>
-                  </a:solidFill>
-                </a:uFill>
-                <a:latin typeface="Arial"/>
-              </a:rPr>
-              <a:t>	</a:t>
-            </a:r>
-            <a:r>
-              <a:rPr b="0" lang="en-US" sz="1050" spc="-1" strike="noStrike">
-                <a:solidFill>
-                  <a:srgbClr val="000000"/>
-                </a:solidFill>
-                <a:uFill>
-                  <a:solidFill>
-                    <a:srgbClr val="ffffff"/>
-                  </a:solidFill>
-                </a:uFill>
-                <a:latin typeface="Arial"/>
-              </a:rPr>
-              <a:t>&lt;fieldset class="col-lg-12"&gt;</a:t>
-            </a:r>
-            <a:endParaRPr b="0" lang="en-US" sz="1050" spc="-1" strike="noStrike">
-              <a:solidFill>
-                <a:srgbClr val="000000"/>
-              </a:solidFill>
-              <a:uFill>
-                <a:solidFill>
-                  <a:srgbClr val="ffffff"/>
-                </a:solidFill>
-              </a:uFill>
-              <a:latin typeface="Arial"/>
-            </a:endParaRPr>
-          </a:p>
-          <a:p>
-            <a:r>
-              <a:rPr b="0" lang="en-US" sz="1050" spc="-1" strike="noStrike">
-                <a:solidFill>
-                  <a:srgbClr val="000000"/>
-                </a:solidFill>
-                <a:uFill>
-                  <a:solidFill>
-                    <a:srgbClr val="ffffff"/>
-                  </a:solidFill>
-                </a:uFill>
-                <a:latin typeface="Arial"/>
-              </a:rPr>
-              <a:t>	</a:t>
-            </a:r>
-            <a:r>
-              <a:rPr b="0" lang="en-US" sz="1050" spc="-1" strike="noStrike">
-                <a:solidFill>
-                  <a:srgbClr val="000000"/>
-                </a:solidFill>
-                <a:uFill>
-                  <a:solidFill>
-                    <a:srgbClr val="ffffff"/>
-                  </a:solidFill>
-                </a:uFill>
-                <a:latin typeface="Arial"/>
-              </a:rPr>
-              <a:t>	</a:t>
-            </a:r>
-            <a:r>
-              <a:rPr b="0" lang="en-US" sz="1050" spc="-1" strike="noStrike">
-                <a:solidFill>
-                  <a:srgbClr val="000000"/>
-                </a:solidFill>
-                <a:uFill>
-                  <a:solidFill>
-                    <a:srgbClr val="ffffff"/>
-                  </a:solidFill>
-                </a:uFill>
-                <a:latin typeface="Arial"/>
-              </a:rPr>
-              <a:t>	</a:t>
-            </a:r>
-            <a:r>
-              <a:rPr b="0" lang="en-US" sz="1050" spc="-1" strike="noStrike">
-                <a:solidFill>
-                  <a:srgbClr val="000000"/>
-                </a:solidFill>
-                <a:uFill>
-                  <a:solidFill>
-                    <a:srgbClr val="ffffff"/>
-                  </a:solidFill>
-                </a:uFill>
-                <a:latin typeface="Arial"/>
-              </a:rPr>
-              <a:t>&lt;legend&gt;&lt;?php echo $clauses-&gt;get('log_in'); ?&gt;&lt;/legend&gt;</a:t>
-            </a:r>
-            <a:endParaRPr b="0" lang="en-US" sz="1050" spc="-1" strike="noStrike">
-              <a:solidFill>
-                <a:srgbClr val="000000"/>
-              </a:solidFill>
-              <a:uFill>
-                <a:solidFill>
-                  <a:srgbClr val="ffffff"/>
-                </a:solidFill>
-              </a:uFill>
-              <a:latin typeface="Arial"/>
-            </a:endParaRPr>
-          </a:p>
-          <a:p>
-            <a:endParaRPr b="0" lang="en-US" sz="1050" spc="-1" strike="noStrike">
-              <a:solidFill>
-                <a:srgbClr val="000000"/>
-              </a:solidFill>
-              <a:uFill>
-                <a:solidFill>
-                  <a:srgbClr val="ffffff"/>
-                </a:solidFill>
-              </a:uFill>
-              <a:latin typeface="Arial"/>
-            </a:endParaRPr>
-          </a:p>
-          <a:p>
-            <a:r>
-              <a:rPr b="0" lang="en-US" sz="1050" spc="-1" strike="noStrike">
-                <a:solidFill>
-                  <a:srgbClr val="000000"/>
-                </a:solidFill>
-                <a:uFill>
-                  <a:solidFill>
-                    <a:srgbClr val="ffffff"/>
-                  </a:solidFill>
-                </a:uFill>
-                <a:latin typeface="Arial"/>
-              </a:rPr>
-              <a:t>	</a:t>
-            </a:r>
-            <a:r>
-              <a:rPr b="0" lang="en-US" sz="1050" spc="-1" strike="noStrike">
-                <a:solidFill>
-                  <a:srgbClr val="000000"/>
-                </a:solidFill>
-                <a:uFill>
-                  <a:solidFill>
-                    <a:srgbClr val="ffffff"/>
-                  </a:solidFill>
-                </a:uFill>
-                <a:latin typeface="Arial"/>
-              </a:rPr>
-              <a:t>	</a:t>
-            </a:r>
-            <a:r>
-              <a:rPr b="0" lang="en-US" sz="1050" spc="-1" strike="noStrike">
-                <a:solidFill>
-                  <a:srgbClr val="000000"/>
-                </a:solidFill>
-                <a:uFill>
-                  <a:solidFill>
-                    <a:srgbClr val="ffffff"/>
-                  </a:solidFill>
-                </a:uFill>
-                <a:latin typeface="Arial"/>
-              </a:rPr>
-              <a:t>	</a:t>
-            </a:r>
-            <a:r>
-              <a:rPr b="0" lang="en-US" sz="1050" spc="-1" strike="noStrike">
-                <a:solidFill>
-                  <a:srgbClr val="000000"/>
-                </a:solidFill>
-                <a:uFill>
-                  <a:solidFill>
-                    <a:srgbClr val="ffffff"/>
-                  </a:solidFill>
-                </a:uFill>
-                <a:latin typeface="Arial"/>
-              </a:rPr>
-              <a:t>&lt;div class="col-lg-offset-1 col-lg-10"&gt;</a:t>
-            </a:r>
-            <a:endParaRPr b="0" lang="en-US" sz="1050" spc="-1" strike="noStrike">
-              <a:solidFill>
-                <a:srgbClr val="000000"/>
-              </a:solidFill>
-              <a:uFill>
-                <a:solidFill>
-                  <a:srgbClr val="ffffff"/>
-                </a:solidFill>
-              </a:uFill>
-              <a:latin typeface="Arial"/>
-            </a:endParaRPr>
-          </a:p>
-          <a:p>
-            <a:r>
-              <a:rPr b="0" lang="en-US" sz="1050" spc="-1" strike="noStrike">
-                <a:solidFill>
-                  <a:srgbClr val="000000"/>
-                </a:solidFill>
-                <a:uFill>
-                  <a:solidFill>
-                    <a:srgbClr val="ffffff"/>
-                  </a:solidFill>
-                </a:uFill>
-                <a:latin typeface="Arial"/>
-              </a:rPr>
-              <a:t>	</a:t>
-            </a:r>
-            <a:r>
-              <a:rPr b="0" lang="en-US" sz="1050" spc="-1" strike="noStrike">
-                <a:solidFill>
-                  <a:srgbClr val="000000"/>
-                </a:solidFill>
-                <a:uFill>
-                  <a:solidFill>
-                    <a:srgbClr val="ffffff"/>
-                  </a:solidFill>
-                </a:uFill>
-                <a:latin typeface="Arial"/>
-              </a:rPr>
-              <a:t>	</a:t>
-            </a:r>
-            <a:r>
-              <a:rPr b="0" lang="en-US" sz="1050" spc="-1" strike="noStrike">
-                <a:solidFill>
-                  <a:srgbClr val="000000"/>
-                </a:solidFill>
-                <a:uFill>
-                  <a:solidFill>
-                    <a:srgbClr val="ffffff"/>
-                  </a:solidFill>
-                </a:uFill>
-                <a:latin typeface="Arial"/>
-              </a:rPr>
-              <a:t>	</a:t>
-            </a:r>
-            <a:r>
-              <a:rPr b="0" lang="en-US" sz="1050" spc="-1" strike="noStrike">
-                <a:solidFill>
-                  <a:srgbClr val="000000"/>
-                </a:solidFill>
-                <a:uFill>
-                  <a:solidFill>
-                    <a:srgbClr val="ffffff"/>
-                  </a:solidFill>
-                </a:uFill>
-                <a:latin typeface="Arial"/>
-              </a:rPr>
-              <a:t>	</a:t>
-            </a:r>
-            <a:r>
-              <a:rPr b="0" lang="en-US" sz="1050" spc="-1" strike="noStrike">
-                <a:solidFill>
-                  <a:srgbClr val="000000"/>
-                </a:solidFill>
-                <a:uFill>
-                  <a:solidFill>
-                    <a:srgbClr val="ffffff"/>
-                  </a:solidFill>
-                </a:uFill>
-                <a:latin typeface="Arial"/>
-              </a:rPr>
-              <a:t>&lt;div class="row"&gt;</a:t>
-            </a:r>
-            <a:endParaRPr b="0" lang="en-US" sz="1050" spc="-1" strike="noStrike">
-              <a:solidFill>
-                <a:srgbClr val="000000"/>
-              </a:solidFill>
-              <a:uFill>
-                <a:solidFill>
-                  <a:srgbClr val="ffffff"/>
-                </a:solidFill>
-              </a:uFill>
-              <a:latin typeface="Arial"/>
-            </a:endParaRPr>
-          </a:p>
-          <a:p>
-            <a:r>
-              <a:rPr b="0" lang="en-US" sz="1050" spc="-1" strike="noStrike">
-                <a:solidFill>
-                  <a:srgbClr val="000000"/>
-                </a:solidFill>
-                <a:uFill>
-                  <a:solidFill>
-                    <a:srgbClr val="ffffff"/>
-                  </a:solidFill>
-                </a:uFill>
-                <a:latin typeface="Arial"/>
-              </a:rPr>
-              <a:t>	</a:t>
-            </a:r>
-            <a:r>
-              <a:rPr b="0" lang="en-US" sz="1050" spc="-1" strike="noStrike">
-                <a:solidFill>
-                  <a:srgbClr val="000000"/>
-                </a:solidFill>
-                <a:uFill>
-                  <a:solidFill>
-                    <a:srgbClr val="ffffff"/>
-                  </a:solidFill>
-                </a:uFill>
-                <a:latin typeface="Arial"/>
-              </a:rPr>
-              <a:t>	</a:t>
-            </a:r>
-            <a:r>
-              <a:rPr b="0" lang="en-US" sz="1050" spc="-1" strike="noStrike">
-                <a:solidFill>
-                  <a:srgbClr val="000000"/>
-                </a:solidFill>
-                <a:uFill>
-                  <a:solidFill>
-                    <a:srgbClr val="ffffff"/>
-                  </a:solidFill>
-                </a:uFill>
-                <a:latin typeface="Arial"/>
-              </a:rPr>
-              <a:t>	</a:t>
-            </a:r>
-            <a:r>
-              <a:rPr b="0" lang="en-US" sz="1050" spc="-1" strike="noStrike">
-                <a:solidFill>
-                  <a:srgbClr val="000000"/>
-                </a:solidFill>
-                <a:uFill>
-                  <a:solidFill>
-                    <a:srgbClr val="ffffff"/>
-                  </a:solidFill>
-                </a:uFill>
-                <a:latin typeface="Arial"/>
-              </a:rPr>
-              <a:t>	</a:t>
-            </a:r>
-            <a:r>
-              <a:rPr b="0" lang="en-US" sz="1050" spc="-1" strike="noStrike">
-                <a:solidFill>
-                  <a:srgbClr val="000000"/>
-                </a:solidFill>
-                <a:uFill>
-                  <a:solidFill>
-                    <a:srgbClr val="ffffff"/>
-                  </a:solidFill>
-                </a:uFill>
-                <a:latin typeface="Arial"/>
-              </a:rPr>
-              <a:t>	</a:t>
-            </a:r>
-            <a:r>
-              <a:rPr b="0" lang="en-US" sz="1050" spc="-1" strike="noStrike">
-                <a:solidFill>
-                  <a:srgbClr val="000000"/>
-                </a:solidFill>
-                <a:uFill>
-                  <a:solidFill>
-                    <a:srgbClr val="ffffff"/>
-                  </a:solidFill>
-                </a:uFill>
-                <a:latin typeface="Arial"/>
-              </a:rPr>
-              <a:t>&lt;div class="form-group"&gt;</a:t>
-            </a:r>
-            <a:endParaRPr b="0" lang="en-US" sz="1050" spc="-1" strike="noStrike">
-              <a:solidFill>
-                <a:srgbClr val="000000"/>
-              </a:solidFill>
-              <a:uFill>
-                <a:solidFill>
-                  <a:srgbClr val="ffffff"/>
-                </a:solidFill>
-              </a:uFill>
-              <a:latin typeface="Arial"/>
-            </a:endParaRPr>
-          </a:p>
-          <a:p>
-            <a:r>
-              <a:rPr b="0" lang="en-US" sz="1050" spc="-1" strike="noStrike">
-                <a:solidFill>
-                  <a:srgbClr val="000000"/>
-                </a:solidFill>
-                <a:uFill>
-                  <a:solidFill>
-                    <a:srgbClr val="ffffff"/>
-                  </a:solidFill>
-                </a:uFill>
-                <a:latin typeface="Arial"/>
-              </a:rPr>
-              <a:t>	</a:t>
-            </a:r>
-            <a:r>
-              <a:rPr b="0" lang="en-US" sz="1050" spc="-1" strike="noStrike">
-                <a:solidFill>
-                  <a:srgbClr val="000000"/>
-                </a:solidFill>
-                <a:uFill>
-                  <a:solidFill>
-                    <a:srgbClr val="ffffff"/>
-                  </a:solidFill>
-                </a:uFill>
-                <a:latin typeface="Arial"/>
-              </a:rPr>
-              <a:t>	</a:t>
-            </a:r>
-            <a:r>
-              <a:rPr b="0" lang="en-US" sz="1050" spc="-1" strike="noStrike">
-                <a:solidFill>
-                  <a:srgbClr val="000000"/>
-                </a:solidFill>
-                <a:uFill>
-                  <a:solidFill>
-                    <a:srgbClr val="ffffff"/>
-                  </a:solidFill>
-                </a:uFill>
-                <a:latin typeface="Arial"/>
-              </a:rPr>
-              <a:t>	</a:t>
-            </a:r>
-            <a:r>
-              <a:rPr b="0" lang="en-US" sz="1050" spc="-1" strike="noStrike">
-                <a:solidFill>
-                  <a:srgbClr val="000000"/>
-                </a:solidFill>
-                <a:uFill>
-                  <a:solidFill>
-                    <a:srgbClr val="ffffff"/>
-                  </a:solidFill>
-                </a:uFill>
-                <a:latin typeface="Arial"/>
-              </a:rPr>
-              <a:t>	</a:t>
-            </a:r>
-            <a:r>
-              <a:rPr b="0" lang="en-US" sz="1050" spc="-1" strike="noStrike">
-                <a:solidFill>
-                  <a:srgbClr val="000000"/>
-                </a:solidFill>
-                <a:uFill>
-                  <a:solidFill>
-                    <a:srgbClr val="ffffff"/>
-                  </a:solidFill>
-                </a:uFill>
-                <a:latin typeface="Arial"/>
-              </a:rPr>
-              <a:t>	</a:t>
-            </a:r>
-            <a:r>
-              <a:rPr b="0" lang="en-US" sz="1050" spc="-1" strike="noStrike">
-                <a:solidFill>
-                  <a:srgbClr val="000000"/>
-                </a:solidFill>
-                <a:uFill>
-                  <a:solidFill>
-                    <a:srgbClr val="ffffff"/>
-                  </a:solidFill>
-                </a:uFill>
-                <a:latin typeface="Arial"/>
-              </a:rPr>
-              <a:t>	</a:t>
-            </a:r>
-            <a:r>
-              <a:rPr b="0" lang="en-US" sz="1050" spc="-1" strike="noStrike">
-                <a:solidFill>
-                  <a:srgbClr val="000000"/>
-                </a:solidFill>
-                <a:uFill>
-                  <a:solidFill>
-                    <a:srgbClr val="ffffff"/>
-                  </a:solidFill>
-                </a:uFill>
-                <a:latin typeface="Arial"/>
-              </a:rPr>
-              <a:t>&lt;label class="col-lg-3" for="name"&gt;&lt;?php echo $clauses-&gt;get('name_login'); ?&gt;&lt;/label&gt;</a:t>
-            </a:r>
-            <a:endParaRPr b="0" lang="en-US" sz="1050" spc="-1" strike="noStrike">
-              <a:solidFill>
-                <a:srgbClr val="000000"/>
-              </a:solidFill>
-              <a:uFill>
-                <a:solidFill>
-                  <a:srgbClr val="ffffff"/>
-                </a:solidFill>
-              </a:uFill>
-              <a:latin typeface="Arial"/>
-            </a:endParaRPr>
-          </a:p>
-          <a:p>
-            <a:r>
-              <a:rPr b="0" lang="en-US" sz="1050" spc="-1" strike="noStrike">
-                <a:solidFill>
-                  <a:srgbClr val="000000"/>
-                </a:solidFill>
-                <a:uFill>
-                  <a:solidFill>
-                    <a:srgbClr val="ffffff"/>
-                  </a:solidFill>
-                </a:uFill>
-                <a:latin typeface="Arial"/>
-              </a:rPr>
-              <a:t>	</a:t>
-            </a:r>
-            <a:r>
-              <a:rPr b="0" lang="en-US" sz="1050" spc="-1" strike="noStrike">
-                <a:solidFill>
-                  <a:srgbClr val="000000"/>
-                </a:solidFill>
-                <a:uFill>
-                  <a:solidFill>
-                    <a:srgbClr val="ffffff"/>
-                  </a:solidFill>
-                </a:uFill>
-                <a:latin typeface="Arial"/>
-              </a:rPr>
-              <a:t>	</a:t>
-            </a:r>
-            <a:r>
-              <a:rPr b="0" lang="en-US" sz="1050" spc="-1" strike="noStrike">
-                <a:solidFill>
-                  <a:srgbClr val="000000"/>
-                </a:solidFill>
-                <a:uFill>
-                  <a:solidFill>
-                    <a:srgbClr val="ffffff"/>
-                  </a:solidFill>
-                </a:uFill>
-                <a:latin typeface="Arial"/>
-              </a:rPr>
-              <a:t>	</a:t>
-            </a:r>
-            <a:r>
-              <a:rPr b="0" lang="en-US" sz="1050" spc="-1" strike="noStrike">
-                <a:solidFill>
-                  <a:srgbClr val="000000"/>
-                </a:solidFill>
-                <a:uFill>
-                  <a:solidFill>
-                    <a:srgbClr val="ffffff"/>
-                  </a:solidFill>
-                </a:uFill>
-                <a:latin typeface="Arial"/>
-              </a:rPr>
-              <a:t>	</a:t>
-            </a:r>
-            <a:r>
-              <a:rPr b="0" lang="en-US" sz="1050" spc="-1" strike="noStrike">
-                <a:solidFill>
-                  <a:srgbClr val="000000"/>
-                </a:solidFill>
-                <a:uFill>
-                  <a:solidFill>
-                    <a:srgbClr val="ffffff"/>
-                  </a:solidFill>
-                </a:uFill>
-                <a:latin typeface="Arial"/>
-              </a:rPr>
-              <a:t>	</a:t>
-            </a:r>
-            <a:r>
-              <a:rPr b="0" lang="en-US" sz="1050" spc="-1" strike="noStrike">
-                <a:solidFill>
-                  <a:srgbClr val="000000"/>
-                </a:solidFill>
-                <a:uFill>
-                  <a:solidFill>
-                    <a:srgbClr val="ffffff"/>
-                  </a:solidFill>
-                </a:uFill>
-                <a:latin typeface="Arial"/>
-              </a:rPr>
-              <a:t>	</a:t>
-            </a:r>
-            <a:r>
-              <a:rPr b="0" lang="en-US" sz="1050" spc="-1" strike="noStrike">
-                <a:solidFill>
-                  <a:srgbClr val="000000"/>
-                </a:solidFill>
-                <a:uFill>
-                  <a:solidFill>
-                    <a:srgbClr val="ffffff"/>
-                  </a:solidFill>
-                </a:uFill>
-                <a:latin typeface="Arial"/>
-              </a:rPr>
-              <a:t>&lt;div class="col-lg-9"&gt;</a:t>
-            </a:r>
-            <a:endParaRPr b="0" lang="en-US" sz="1050" spc="-1" strike="noStrike">
-              <a:solidFill>
-                <a:srgbClr val="000000"/>
-              </a:solidFill>
-              <a:uFill>
-                <a:solidFill>
-                  <a:srgbClr val="ffffff"/>
-                </a:solidFill>
-              </a:uFill>
-              <a:latin typeface="Arial"/>
-            </a:endParaRPr>
-          </a:p>
-          <a:p>
-            <a:r>
-              <a:rPr b="0" lang="en-US" sz="1050" spc="-1" strike="noStrike">
-                <a:solidFill>
-                  <a:srgbClr val="000000"/>
-                </a:solidFill>
-                <a:uFill>
-                  <a:solidFill>
-                    <a:srgbClr val="ffffff"/>
-                  </a:solidFill>
-                </a:uFill>
-                <a:latin typeface="Arial"/>
-              </a:rPr>
-              <a:t>	</a:t>
-            </a:r>
-            <a:r>
-              <a:rPr b="0" lang="en-US" sz="1050" spc="-1" strike="noStrike">
-                <a:solidFill>
-                  <a:srgbClr val="000000"/>
-                </a:solidFill>
-                <a:uFill>
-                  <a:solidFill>
-                    <a:srgbClr val="ffffff"/>
-                  </a:solidFill>
-                </a:uFill>
-                <a:latin typeface="Arial"/>
-              </a:rPr>
-              <a:t>	</a:t>
-            </a:r>
-            <a:r>
-              <a:rPr b="0" lang="en-US" sz="1050" spc="-1" strike="noStrike">
-                <a:solidFill>
-                  <a:srgbClr val="000000"/>
-                </a:solidFill>
-                <a:uFill>
-                  <a:solidFill>
-                    <a:srgbClr val="ffffff"/>
-                  </a:solidFill>
-                </a:uFill>
-                <a:latin typeface="Arial"/>
-              </a:rPr>
-              <a:t>	</a:t>
-            </a:r>
-            <a:r>
-              <a:rPr b="0" lang="en-US" sz="1050" spc="-1" strike="noStrike">
-                <a:solidFill>
-                  <a:srgbClr val="000000"/>
-                </a:solidFill>
-                <a:uFill>
-                  <a:solidFill>
-                    <a:srgbClr val="ffffff"/>
-                  </a:solidFill>
-                </a:uFill>
-                <a:latin typeface="Arial"/>
-              </a:rPr>
-              <a:t>	</a:t>
-            </a:r>
-            <a:r>
-              <a:rPr b="0" lang="en-US" sz="1050" spc="-1" strike="noStrike">
-                <a:solidFill>
-                  <a:srgbClr val="000000"/>
-                </a:solidFill>
-                <a:uFill>
-                  <a:solidFill>
-                    <a:srgbClr val="ffffff"/>
-                  </a:solidFill>
-                </a:uFill>
-                <a:latin typeface="Arial"/>
-              </a:rPr>
-              <a:t>	</a:t>
-            </a:r>
-            <a:r>
-              <a:rPr b="0" lang="en-US" sz="1050" spc="-1" strike="noStrike">
-                <a:solidFill>
-                  <a:srgbClr val="000000"/>
-                </a:solidFill>
-                <a:uFill>
-                  <a:solidFill>
-                    <a:srgbClr val="ffffff"/>
-                  </a:solidFill>
-                </a:uFill>
-                <a:latin typeface="Arial"/>
-              </a:rPr>
-              <a:t>	</a:t>
-            </a:r>
-            <a:r>
-              <a:rPr b="0" lang="en-US" sz="1050" spc="-1" strike="noStrike">
-                <a:solidFill>
-                  <a:srgbClr val="000000"/>
-                </a:solidFill>
-                <a:uFill>
-                  <a:solidFill>
-                    <a:srgbClr val="ffffff"/>
-                  </a:solidFill>
-                </a:uFill>
-                <a:latin typeface="Arial"/>
-              </a:rPr>
-              <a:t>	</a:t>
-            </a:r>
-            <a:r>
-              <a:rPr b="0" lang="en-US" sz="1050" spc="-1" strike="noStrike">
-                <a:solidFill>
-                  <a:srgbClr val="000000"/>
-                </a:solidFill>
-                <a:uFill>
-                  <a:solidFill>
-                    <a:srgbClr val="ffffff"/>
-                  </a:solidFill>
-                </a:uFill>
-                <a:latin typeface="Arial"/>
-              </a:rPr>
-              <a:t>&lt;input id="name" name="name" type="text" class="form-control" required&gt;</a:t>
-            </a:r>
-            <a:endParaRPr b="0" lang="en-US" sz="1050" spc="-1" strike="noStrike">
-              <a:solidFill>
-                <a:srgbClr val="000000"/>
-              </a:solidFill>
-              <a:uFill>
-                <a:solidFill>
-                  <a:srgbClr val="ffffff"/>
-                </a:solidFill>
-              </a:uFill>
-              <a:latin typeface="Arial"/>
-            </a:endParaRPr>
-          </a:p>
-          <a:p>
-            <a:r>
-              <a:rPr b="0" lang="en-US" sz="1050" spc="-1" strike="noStrike">
-                <a:solidFill>
-                  <a:srgbClr val="000000"/>
-                </a:solidFill>
-                <a:uFill>
-                  <a:solidFill>
-                    <a:srgbClr val="ffffff"/>
-                  </a:solidFill>
-                </a:uFill>
-                <a:latin typeface="Arial"/>
-              </a:rPr>
-              <a:t>	</a:t>
-            </a:r>
-            <a:r>
-              <a:rPr b="0" lang="en-US" sz="1050" spc="-1" strike="noStrike">
-                <a:solidFill>
-                  <a:srgbClr val="000000"/>
-                </a:solidFill>
-                <a:uFill>
-                  <a:solidFill>
-                    <a:srgbClr val="ffffff"/>
-                  </a:solidFill>
-                </a:uFill>
-                <a:latin typeface="Arial"/>
-              </a:rPr>
-              <a:t>	</a:t>
-            </a:r>
-            <a:r>
-              <a:rPr b="0" lang="en-US" sz="1050" spc="-1" strike="noStrike">
-                <a:solidFill>
-                  <a:srgbClr val="000000"/>
-                </a:solidFill>
-                <a:uFill>
-                  <a:solidFill>
-                    <a:srgbClr val="ffffff"/>
-                  </a:solidFill>
-                </a:uFill>
-                <a:latin typeface="Arial"/>
-              </a:rPr>
-              <a:t>	</a:t>
-            </a:r>
-            <a:r>
-              <a:rPr b="0" lang="en-US" sz="1050" spc="-1" strike="noStrike">
-                <a:solidFill>
-                  <a:srgbClr val="000000"/>
-                </a:solidFill>
-                <a:uFill>
-                  <a:solidFill>
-                    <a:srgbClr val="ffffff"/>
-                  </a:solidFill>
-                </a:uFill>
-                <a:latin typeface="Arial"/>
-              </a:rPr>
-              <a:t>	</a:t>
-            </a:r>
-            <a:r>
-              <a:rPr b="0" lang="en-US" sz="1050" spc="-1" strike="noStrike">
-                <a:solidFill>
-                  <a:srgbClr val="000000"/>
-                </a:solidFill>
-                <a:uFill>
-                  <a:solidFill>
-                    <a:srgbClr val="ffffff"/>
-                  </a:solidFill>
-                </a:uFill>
-                <a:latin typeface="Arial"/>
-              </a:rPr>
-              <a:t>	</a:t>
-            </a:r>
-            <a:r>
-              <a:rPr b="0" lang="en-US" sz="1050" spc="-1" strike="noStrike">
-                <a:solidFill>
-                  <a:srgbClr val="000000"/>
-                </a:solidFill>
-                <a:uFill>
-                  <a:solidFill>
-                    <a:srgbClr val="ffffff"/>
-                  </a:solidFill>
-                </a:uFill>
-                <a:latin typeface="Arial"/>
-              </a:rPr>
-              <a:t>	</a:t>
-            </a:r>
-            <a:r>
-              <a:rPr b="0" lang="en-US" sz="1050" spc="-1" strike="noStrike">
-                <a:solidFill>
-                  <a:srgbClr val="000000"/>
-                </a:solidFill>
-                <a:uFill>
-                  <a:solidFill>
-                    <a:srgbClr val="ffffff"/>
-                  </a:solidFill>
-                </a:uFill>
-                <a:latin typeface="Arial"/>
-              </a:rPr>
-              <a:t>&lt;/div&gt;</a:t>
-            </a:r>
-            <a:endParaRPr b="0" lang="en-US" sz="1050" spc="-1" strike="noStrike">
-              <a:solidFill>
-                <a:srgbClr val="000000"/>
-              </a:solidFill>
-              <a:uFill>
-                <a:solidFill>
-                  <a:srgbClr val="ffffff"/>
-                </a:solidFill>
-              </a:uFill>
-              <a:latin typeface="Arial"/>
-            </a:endParaRPr>
-          </a:p>
-          <a:p>
-            <a:r>
-              <a:rPr b="0" lang="en-US" sz="1050" spc="-1" strike="noStrike">
-                <a:solidFill>
-                  <a:srgbClr val="000000"/>
-                </a:solidFill>
-                <a:uFill>
-                  <a:solidFill>
-                    <a:srgbClr val="ffffff"/>
-                  </a:solidFill>
-                </a:uFill>
-                <a:latin typeface="Arial"/>
-              </a:rPr>
-              <a:t>	</a:t>
-            </a:r>
-            <a:r>
-              <a:rPr b="0" lang="en-US" sz="1050" spc="-1" strike="noStrike">
-                <a:solidFill>
-                  <a:srgbClr val="000000"/>
-                </a:solidFill>
-                <a:uFill>
-                  <a:solidFill>
-                    <a:srgbClr val="ffffff"/>
-                  </a:solidFill>
-                </a:uFill>
-                <a:latin typeface="Arial"/>
-              </a:rPr>
-              <a:t>	</a:t>
-            </a:r>
-            <a:r>
-              <a:rPr b="0" lang="en-US" sz="1050" spc="-1" strike="noStrike">
-                <a:solidFill>
-                  <a:srgbClr val="000000"/>
-                </a:solidFill>
-                <a:uFill>
-                  <a:solidFill>
-                    <a:srgbClr val="ffffff"/>
-                  </a:solidFill>
-                </a:uFill>
-                <a:latin typeface="Arial"/>
-              </a:rPr>
-              <a:t>	</a:t>
-            </a:r>
-            <a:r>
-              <a:rPr b="0" lang="en-US" sz="1050" spc="-1" strike="noStrike">
-                <a:solidFill>
-                  <a:srgbClr val="000000"/>
-                </a:solidFill>
-                <a:uFill>
-                  <a:solidFill>
-                    <a:srgbClr val="ffffff"/>
-                  </a:solidFill>
-                </a:uFill>
-                <a:latin typeface="Arial"/>
-              </a:rPr>
-              <a:t>	</a:t>
-            </a:r>
-            <a:r>
-              <a:rPr b="0" lang="en-US" sz="1050" spc="-1" strike="noStrike">
-                <a:solidFill>
-                  <a:srgbClr val="000000"/>
-                </a:solidFill>
-                <a:uFill>
-                  <a:solidFill>
-                    <a:srgbClr val="ffffff"/>
-                  </a:solidFill>
-                </a:uFill>
-                <a:latin typeface="Arial"/>
-              </a:rPr>
-              <a:t>	</a:t>
-            </a:r>
-            <a:r>
-              <a:rPr b="0" lang="en-US" sz="1050" spc="-1" strike="noStrike">
-                <a:solidFill>
-                  <a:srgbClr val="000000"/>
-                </a:solidFill>
-                <a:uFill>
-                  <a:solidFill>
-                    <a:srgbClr val="ffffff"/>
-                  </a:solidFill>
-                </a:uFill>
-                <a:latin typeface="Arial"/>
-              </a:rPr>
-              <a:t>&lt;/div&gt;</a:t>
-            </a:r>
-            <a:endParaRPr b="0" lang="en-US" sz="1050" spc="-1" strike="noStrike">
-              <a:solidFill>
-                <a:srgbClr val="000000"/>
-              </a:solidFill>
-              <a:uFill>
-                <a:solidFill>
-                  <a:srgbClr val="ffffff"/>
-                </a:solidFill>
-              </a:uFill>
-              <a:latin typeface="Arial"/>
-            </a:endParaRPr>
-          </a:p>
-          <a:p>
-            <a:r>
-              <a:rPr b="0" lang="en-US" sz="1050" spc="-1" strike="noStrike">
-                <a:solidFill>
-                  <a:srgbClr val="000000"/>
-                </a:solidFill>
-                <a:uFill>
-                  <a:solidFill>
-                    <a:srgbClr val="ffffff"/>
-                  </a:solidFill>
-                </a:uFill>
-                <a:latin typeface="Arial"/>
-              </a:rPr>
-              <a:t>	</a:t>
-            </a:r>
-            <a:r>
-              <a:rPr b="0" lang="en-US" sz="1050" spc="-1" strike="noStrike">
-                <a:solidFill>
-                  <a:srgbClr val="000000"/>
-                </a:solidFill>
-                <a:uFill>
-                  <a:solidFill>
-                    <a:srgbClr val="ffffff"/>
-                  </a:solidFill>
-                </a:uFill>
-                <a:latin typeface="Arial"/>
-              </a:rPr>
-              <a:t>	</a:t>
-            </a:r>
-            <a:r>
-              <a:rPr b="0" lang="en-US" sz="1050" spc="-1" strike="noStrike">
-                <a:solidFill>
-                  <a:srgbClr val="000000"/>
-                </a:solidFill>
-                <a:uFill>
-                  <a:solidFill>
-                    <a:srgbClr val="ffffff"/>
-                  </a:solidFill>
-                </a:uFill>
-                <a:latin typeface="Arial"/>
-              </a:rPr>
-              <a:t>	</a:t>
-            </a:r>
-            <a:r>
-              <a:rPr b="0" lang="en-US" sz="1050" spc="-1" strike="noStrike">
-                <a:solidFill>
-                  <a:srgbClr val="000000"/>
-                </a:solidFill>
-                <a:uFill>
-                  <a:solidFill>
-                    <a:srgbClr val="ffffff"/>
-                  </a:solidFill>
-                </a:uFill>
-                <a:latin typeface="Arial"/>
-              </a:rPr>
-              <a:t>	</a:t>
-            </a:r>
-            <a:r>
-              <a:rPr b="0" lang="en-US" sz="1050" spc="-1" strike="noStrike">
-                <a:solidFill>
-                  <a:srgbClr val="000000"/>
-                </a:solidFill>
-                <a:uFill>
-                  <a:solidFill>
-                    <a:srgbClr val="ffffff"/>
-                  </a:solidFill>
-                </a:uFill>
-                <a:latin typeface="Arial"/>
-              </a:rPr>
-              <a:t>&lt;/div&gt;</a:t>
-            </a:r>
-            <a:endParaRPr b="0" lang="en-US" sz="1050" spc="-1" strike="noStrike">
-              <a:solidFill>
-                <a:srgbClr val="000000"/>
-              </a:solidFill>
-              <a:uFill>
-                <a:solidFill>
-                  <a:srgbClr val="ffffff"/>
-                </a:solidFill>
-              </a:uFill>
-              <a:latin typeface="Arial"/>
-            </a:endParaRPr>
-          </a:p>
-          <a:p>
-            <a:endParaRPr b="0" lang="en-US" sz="1050" spc="-1" strike="noStrike">
-              <a:solidFill>
-                <a:srgbClr val="000000"/>
-              </a:solidFill>
-              <a:uFill>
-                <a:solidFill>
-                  <a:srgbClr val="ffffff"/>
-                </a:solidFill>
-              </a:uFill>
-              <a:latin typeface="Arial"/>
-            </a:endParaRPr>
-          </a:p>
-          <a:p>
-            <a:r>
-              <a:rPr b="0" lang="en-US" sz="1050" spc="-1" strike="noStrike">
-                <a:solidFill>
-                  <a:srgbClr val="000000"/>
-                </a:solidFill>
-                <a:uFill>
-                  <a:solidFill>
-                    <a:srgbClr val="ffffff"/>
-                  </a:solidFill>
-                </a:uFill>
-                <a:latin typeface="Arial"/>
-              </a:rPr>
-              <a:t>	</a:t>
-            </a:r>
-            <a:r>
-              <a:rPr b="0" lang="en-US" sz="1050" spc="-1" strike="noStrike">
-                <a:solidFill>
-                  <a:srgbClr val="000000"/>
-                </a:solidFill>
-                <a:uFill>
-                  <a:solidFill>
-                    <a:srgbClr val="ffffff"/>
-                  </a:solidFill>
-                </a:uFill>
-                <a:latin typeface="Arial"/>
-              </a:rPr>
-              <a:t>	</a:t>
-            </a:r>
-            <a:r>
-              <a:rPr b="0" lang="en-US" sz="1050" spc="-1" strike="noStrike">
-                <a:solidFill>
-                  <a:srgbClr val="000000"/>
-                </a:solidFill>
-                <a:uFill>
-                  <a:solidFill>
-                    <a:srgbClr val="ffffff"/>
-                  </a:solidFill>
-                </a:uFill>
-                <a:latin typeface="Arial"/>
-              </a:rPr>
-              <a:t>	</a:t>
-            </a:r>
-            <a:r>
-              <a:rPr b="0" lang="en-US" sz="1050" spc="-1" strike="noStrike">
-                <a:solidFill>
-                  <a:srgbClr val="000000"/>
-                </a:solidFill>
-                <a:uFill>
-                  <a:solidFill>
-                    <a:srgbClr val="ffffff"/>
-                  </a:solidFill>
-                </a:uFill>
-                <a:latin typeface="Arial"/>
-              </a:rPr>
-              <a:t>	</a:t>
-            </a:r>
-            <a:r>
-              <a:rPr b="0" lang="en-US" sz="1050" spc="-1" strike="noStrike">
-                <a:solidFill>
-                  <a:srgbClr val="000000"/>
-                </a:solidFill>
-                <a:uFill>
-                  <a:solidFill>
-                    <a:srgbClr val="ffffff"/>
-                  </a:solidFill>
-                </a:uFill>
-                <a:latin typeface="Arial"/>
-              </a:rPr>
-              <a:t>&lt;div class="row"&gt;</a:t>
-            </a:r>
-            <a:endParaRPr b="0" lang="en-US" sz="1050" spc="-1" strike="noStrike">
-              <a:solidFill>
-                <a:srgbClr val="000000"/>
-              </a:solidFill>
-              <a:uFill>
-                <a:solidFill>
-                  <a:srgbClr val="ffffff"/>
-                </a:solidFill>
-              </a:uFill>
-              <a:latin typeface="Arial"/>
-            </a:endParaRPr>
-          </a:p>
-          <a:p>
-            <a:r>
-              <a:rPr b="0" lang="en-US" sz="1050" spc="-1" strike="noStrike">
-                <a:solidFill>
-                  <a:srgbClr val="000000"/>
-                </a:solidFill>
-                <a:uFill>
-                  <a:solidFill>
-                    <a:srgbClr val="ffffff"/>
-                  </a:solidFill>
-                </a:uFill>
-                <a:latin typeface="Arial"/>
-              </a:rPr>
-              <a:t>	</a:t>
-            </a:r>
-            <a:r>
-              <a:rPr b="0" lang="en-US" sz="1050" spc="-1" strike="noStrike">
-                <a:solidFill>
-                  <a:srgbClr val="000000"/>
-                </a:solidFill>
-                <a:uFill>
-                  <a:solidFill>
-                    <a:srgbClr val="ffffff"/>
-                  </a:solidFill>
-                </a:uFill>
-                <a:latin typeface="Arial"/>
-              </a:rPr>
-              <a:t>	</a:t>
-            </a:r>
-            <a:r>
-              <a:rPr b="0" lang="en-US" sz="1050" spc="-1" strike="noStrike">
-                <a:solidFill>
-                  <a:srgbClr val="000000"/>
-                </a:solidFill>
-                <a:uFill>
-                  <a:solidFill>
-                    <a:srgbClr val="ffffff"/>
-                  </a:solidFill>
-                </a:uFill>
-                <a:latin typeface="Arial"/>
-              </a:rPr>
-              <a:t>	</a:t>
-            </a:r>
-            <a:r>
-              <a:rPr b="0" lang="en-US" sz="1050" spc="-1" strike="noStrike">
-                <a:solidFill>
-                  <a:srgbClr val="000000"/>
-                </a:solidFill>
-                <a:uFill>
-                  <a:solidFill>
-                    <a:srgbClr val="ffffff"/>
-                  </a:solidFill>
-                </a:uFill>
-                <a:latin typeface="Arial"/>
-              </a:rPr>
-              <a:t>	</a:t>
-            </a:r>
-            <a:r>
-              <a:rPr b="0" lang="en-US" sz="1050" spc="-1" strike="noStrike">
-                <a:solidFill>
-                  <a:srgbClr val="000000"/>
-                </a:solidFill>
-                <a:uFill>
-                  <a:solidFill>
-                    <a:srgbClr val="ffffff"/>
-                  </a:solidFill>
-                </a:uFill>
-                <a:latin typeface="Arial"/>
-              </a:rPr>
-              <a:t>	</a:t>
-            </a:r>
-            <a:r>
-              <a:rPr b="0" lang="en-US" sz="1050" spc="-1" strike="noStrike">
-                <a:solidFill>
-                  <a:srgbClr val="000000"/>
-                </a:solidFill>
-                <a:uFill>
-                  <a:solidFill>
-                    <a:srgbClr val="ffffff"/>
-                  </a:solidFill>
-                </a:uFill>
-                <a:latin typeface="Arial"/>
-              </a:rPr>
-              <a:t>&lt;div class="form-group"&gt;</a:t>
-            </a:r>
-            <a:endParaRPr b="0" lang="en-US" sz="1050" spc="-1" strike="noStrike">
-              <a:solidFill>
-                <a:srgbClr val="000000"/>
-              </a:solidFill>
-              <a:uFill>
-                <a:solidFill>
-                  <a:srgbClr val="ffffff"/>
-                </a:solidFill>
-              </a:uFill>
-              <a:latin typeface="Arial"/>
-            </a:endParaRPr>
-          </a:p>
-          <a:p>
-            <a:r>
-              <a:rPr b="0" lang="en-US" sz="1050" spc="-1" strike="noStrike">
-                <a:solidFill>
-                  <a:srgbClr val="000000"/>
-                </a:solidFill>
-                <a:uFill>
-                  <a:solidFill>
-                    <a:srgbClr val="ffffff"/>
-                  </a:solidFill>
-                </a:uFill>
-                <a:latin typeface="Arial"/>
-              </a:rPr>
-              <a:t>	</a:t>
-            </a:r>
-            <a:r>
-              <a:rPr b="0" lang="en-US" sz="1050" spc="-1" strike="noStrike">
-                <a:solidFill>
-                  <a:srgbClr val="000000"/>
-                </a:solidFill>
-                <a:uFill>
-                  <a:solidFill>
-                    <a:srgbClr val="ffffff"/>
-                  </a:solidFill>
-                </a:uFill>
-                <a:latin typeface="Arial"/>
-              </a:rPr>
-              <a:t>	</a:t>
-            </a:r>
-            <a:r>
-              <a:rPr b="0" lang="en-US" sz="1050" spc="-1" strike="noStrike">
-                <a:solidFill>
-                  <a:srgbClr val="000000"/>
-                </a:solidFill>
-                <a:uFill>
-                  <a:solidFill>
-                    <a:srgbClr val="ffffff"/>
-                  </a:solidFill>
-                </a:uFill>
-                <a:latin typeface="Arial"/>
-              </a:rPr>
-              <a:t>	</a:t>
-            </a:r>
-            <a:r>
-              <a:rPr b="0" lang="en-US" sz="1050" spc="-1" strike="noStrike">
-                <a:solidFill>
-                  <a:srgbClr val="000000"/>
-                </a:solidFill>
-                <a:uFill>
-                  <a:solidFill>
-                    <a:srgbClr val="ffffff"/>
-                  </a:solidFill>
-                </a:uFill>
-                <a:latin typeface="Arial"/>
-              </a:rPr>
-              <a:t>	</a:t>
-            </a:r>
-            <a:r>
-              <a:rPr b="0" lang="en-US" sz="1050" spc="-1" strike="noStrike">
-                <a:solidFill>
-                  <a:srgbClr val="000000"/>
-                </a:solidFill>
-                <a:uFill>
-                  <a:solidFill>
-                    <a:srgbClr val="ffffff"/>
-                  </a:solidFill>
-                </a:uFill>
-                <a:latin typeface="Arial"/>
-              </a:rPr>
-              <a:t>	</a:t>
-            </a:r>
-            <a:r>
-              <a:rPr b="0" lang="en-US" sz="1050" spc="-1" strike="noStrike">
-                <a:solidFill>
-                  <a:srgbClr val="000000"/>
-                </a:solidFill>
-                <a:uFill>
-                  <a:solidFill>
-                    <a:srgbClr val="ffffff"/>
-                  </a:solidFill>
-                </a:uFill>
-                <a:latin typeface="Arial"/>
-              </a:rPr>
-              <a:t>	</a:t>
-            </a:r>
-            <a:r>
-              <a:rPr b="0" lang="en-US" sz="1050" spc="-1" strike="noStrike">
-                <a:solidFill>
-                  <a:srgbClr val="000000"/>
-                </a:solidFill>
-                <a:uFill>
-                  <a:solidFill>
-                    <a:srgbClr val="ffffff"/>
-                  </a:solidFill>
-                </a:uFill>
-                <a:latin typeface="Arial"/>
-              </a:rPr>
-              <a:t>&lt;label class="col-lg-3" for="pwd"&gt;&lt;?php echo $clauses-&gt;get('password'); ?&gt;&lt;/label&gt;</a:t>
-            </a:r>
-            <a:endParaRPr b="0" lang="en-US" sz="1050" spc="-1" strike="noStrike">
-              <a:solidFill>
-                <a:srgbClr val="000000"/>
-              </a:solidFill>
-              <a:uFill>
-                <a:solidFill>
-                  <a:srgbClr val="ffffff"/>
-                </a:solidFill>
-              </a:uFill>
-              <a:latin typeface="Arial"/>
-            </a:endParaRPr>
-          </a:p>
-          <a:p>
-            <a:r>
-              <a:rPr b="0" lang="en-US" sz="1050" spc="-1" strike="noStrike">
-                <a:solidFill>
-                  <a:srgbClr val="000000"/>
-                </a:solidFill>
-                <a:uFill>
-                  <a:solidFill>
-                    <a:srgbClr val="ffffff"/>
-                  </a:solidFill>
-                </a:uFill>
-                <a:latin typeface="Arial"/>
-              </a:rPr>
-              <a:t>	</a:t>
-            </a:r>
-            <a:r>
-              <a:rPr b="0" lang="en-US" sz="1050" spc="-1" strike="noStrike">
-                <a:solidFill>
-                  <a:srgbClr val="000000"/>
-                </a:solidFill>
-                <a:uFill>
-                  <a:solidFill>
-                    <a:srgbClr val="ffffff"/>
-                  </a:solidFill>
-                </a:uFill>
-                <a:latin typeface="Arial"/>
-              </a:rPr>
-              <a:t>	</a:t>
-            </a:r>
-            <a:r>
-              <a:rPr b="0" lang="en-US" sz="1050" spc="-1" strike="noStrike">
-                <a:solidFill>
-                  <a:srgbClr val="000000"/>
-                </a:solidFill>
-                <a:uFill>
-                  <a:solidFill>
-                    <a:srgbClr val="ffffff"/>
-                  </a:solidFill>
-                </a:uFill>
-                <a:latin typeface="Arial"/>
-              </a:rPr>
-              <a:t>	</a:t>
-            </a:r>
-            <a:r>
-              <a:rPr b="0" lang="en-US" sz="1050" spc="-1" strike="noStrike">
-                <a:solidFill>
-                  <a:srgbClr val="000000"/>
-                </a:solidFill>
-                <a:uFill>
-                  <a:solidFill>
-                    <a:srgbClr val="ffffff"/>
-                  </a:solidFill>
-                </a:uFill>
-                <a:latin typeface="Arial"/>
-              </a:rPr>
-              <a:t>	</a:t>
-            </a:r>
-            <a:r>
-              <a:rPr b="0" lang="en-US" sz="1050" spc="-1" strike="noStrike">
-                <a:solidFill>
-                  <a:srgbClr val="000000"/>
-                </a:solidFill>
-                <a:uFill>
-                  <a:solidFill>
-                    <a:srgbClr val="ffffff"/>
-                  </a:solidFill>
-                </a:uFill>
-                <a:latin typeface="Arial"/>
-              </a:rPr>
-              <a:t>	</a:t>
-            </a:r>
-            <a:r>
-              <a:rPr b="0" lang="en-US" sz="1050" spc="-1" strike="noStrike">
-                <a:solidFill>
-                  <a:srgbClr val="000000"/>
-                </a:solidFill>
-                <a:uFill>
-                  <a:solidFill>
-                    <a:srgbClr val="ffffff"/>
-                  </a:solidFill>
-                </a:uFill>
-                <a:latin typeface="Arial"/>
-              </a:rPr>
-              <a:t>	</a:t>
-            </a:r>
-            <a:r>
-              <a:rPr b="0" lang="en-US" sz="1050" spc="-1" strike="noStrike">
-                <a:solidFill>
-                  <a:srgbClr val="000000"/>
-                </a:solidFill>
-                <a:uFill>
-                  <a:solidFill>
-                    <a:srgbClr val="ffffff"/>
-                  </a:solidFill>
-                </a:uFill>
-                <a:latin typeface="Arial"/>
-              </a:rPr>
-              <a:t>&lt;div class="col-lg-9"&gt;</a:t>
-            </a:r>
-            <a:endParaRPr b="0" lang="en-US" sz="1050" spc="-1" strike="noStrike">
-              <a:solidFill>
-                <a:srgbClr val="000000"/>
-              </a:solidFill>
-              <a:uFill>
-                <a:solidFill>
-                  <a:srgbClr val="ffffff"/>
-                </a:solidFill>
-              </a:uFill>
-              <a:latin typeface="Arial"/>
-            </a:endParaRPr>
-          </a:p>
-          <a:p>
-            <a:r>
-              <a:rPr b="0" lang="en-US" sz="1050" spc="-1" strike="noStrike">
-                <a:solidFill>
-                  <a:srgbClr val="000000"/>
-                </a:solidFill>
-                <a:uFill>
-                  <a:solidFill>
-                    <a:srgbClr val="ffffff"/>
-                  </a:solidFill>
-                </a:uFill>
-                <a:latin typeface="Arial"/>
-              </a:rPr>
-              <a:t>	</a:t>
-            </a:r>
-            <a:r>
-              <a:rPr b="0" lang="en-US" sz="1050" spc="-1" strike="noStrike">
-                <a:solidFill>
-                  <a:srgbClr val="000000"/>
-                </a:solidFill>
-                <a:uFill>
-                  <a:solidFill>
-                    <a:srgbClr val="ffffff"/>
-                  </a:solidFill>
-                </a:uFill>
-                <a:latin typeface="Arial"/>
-              </a:rPr>
-              <a:t>	</a:t>
-            </a:r>
-            <a:r>
-              <a:rPr b="0" lang="en-US" sz="1050" spc="-1" strike="noStrike">
-                <a:solidFill>
-                  <a:srgbClr val="000000"/>
-                </a:solidFill>
-                <a:uFill>
-                  <a:solidFill>
-                    <a:srgbClr val="ffffff"/>
-                  </a:solidFill>
-                </a:uFill>
-                <a:latin typeface="Arial"/>
-              </a:rPr>
-              <a:t>	</a:t>
-            </a:r>
-            <a:r>
-              <a:rPr b="0" lang="en-US" sz="1050" spc="-1" strike="noStrike">
-                <a:solidFill>
-                  <a:srgbClr val="000000"/>
-                </a:solidFill>
-                <a:uFill>
-                  <a:solidFill>
-                    <a:srgbClr val="ffffff"/>
-                  </a:solidFill>
-                </a:uFill>
-                <a:latin typeface="Arial"/>
-              </a:rPr>
-              <a:t>	</a:t>
-            </a:r>
-            <a:r>
-              <a:rPr b="0" lang="en-US" sz="1050" spc="-1" strike="noStrike">
-                <a:solidFill>
-                  <a:srgbClr val="000000"/>
-                </a:solidFill>
-                <a:uFill>
-                  <a:solidFill>
-                    <a:srgbClr val="ffffff"/>
-                  </a:solidFill>
-                </a:uFill>
-                <a:latin typeface="Arial"/>
-              </a:rPr>
-              <a:t>	</a:t>
-            </a:r>
-            <a:r>
-              <a:rPr b="0" lang="en-US" sz="1050" spc="-1" strike="noStrike">
-                <a:solidFill>
-                  <a:srgbClr val="000000"/>
-                </a:solidFill>
-                <a:uFill>
-                  <a:solidFill>
-                    <a:srgbClr val="ffffff"/>
-                  </a:solidFill>
-                </a:uFill>
-                <a:latin typeface="Arial"/>
-              </a:rPr>
-              <a:t>	</a:t>
-            </a:r>
-            <a:r>
-              <a:rPr b="0" lang="en-US" sz="1050" spc="-1" strike="noStrike">
-                <a:solidFill>
-                  <a:srgbClr val="000000"/>
-                </a:solidFill>
-                <a:uFill>
-                  <a:solidFill>
-                    <a:srgbClr val="ffffff"/>
-                  </a:solidFill>
-                </a:uFill>
-                <a:latin typeface="Arial"/>
-              </a:rPr>
-              <a:t>	</a:t>
-            </a:r>
-            <a:r>
-              <a:rPr b="0" lang="en-US" sz="1050" spc="-1" strike="noStrike">
-                <a:solidFill>
-                  <a:srgbClr val="000000"/>
-                </a:solidFill>
-                <a:uFill>
-                  <a:solidFill>
-                    <a:srgbClr val="ffffff"/>
-                  </a:solidFill>
-                </a:uFill>
-                <a:latin typeface="Arial"/>
-              </a:rPr>
-              <a:t>&lt;input id="pwd" name="pwd" type="password" class="form-control" required&gt;</a:t>
-            </a:r>
-            <a:endParaRPr b="0" lang="en-US" sz="1050" spc="-1" strike="noStrike">
-              <a:solidFill>
-                <a:srgbClr val="000000"/>
-              </a:solidFill>
-              <a:uFill>
-                <a:solidFill>
-                  <a:srgbClr val="ffffff"/>
-                </a:solidFill>
-              </a:uFill>
-              <a:latin typeface="Arial"/>
-            </a:endParaRPr>
-          </a:p>
-          <a:p>
-            <a:r>
-              <a:rPr b="0" lang="en-US" sz="1050" spc="-1" strike="noStrike">
-                <a:solidFill>
-                  <a:srgbClr val="000000"/>
-                </a:solidFill>
-                <a:uFill>
-                  <a:solidFill>
-                    <a:srgbClr val="ffffff"/>
-                  </a:solidFill>
-                </a:uFill>
-                <a:latin typeface="Arial"/>
-              </a:rPr>
-              <a:t>	</a:t>
-            </a:r>
-            <a:r>
-              <a:rPr b="0" lang="en-US" sz="1050" spc="-1" strike="noStrike">
-                <a:solidFill>
-                  <a:srgbClr val="000000"/>
-                </a:solidFill>
-                <a:uFill>
-                  <a:solidFill>
-                    <a:srgbClr val="ffffff"/>
-                  </a:solidFill>
-                </a:uFill>
-                <a:latin typeface="Arial"/>
-              </a:rPr>
-              <a:t>	</a:t>
-            </a:r>
-            <a:r>
-              <a:rPr b="0" lang="en-US" sz="1050" spc="-1" strike="noStrike">
-                <a:solidFill>
-                  <a:srgbClr val="000000"/>
-                </a:solidFill>
-                <a:uFill>
-                  <a:solidFill>
-                    <a:srgbClr val="ffffff"/>
-                  </a:solidFill>
-                </a:uFill>
-                <a:latin typeface="Arial"/>
-              </a:rPr>
-              <a:t>	</a:t>
-            </a:r>
-            <a:r>
-              <a:rPr b="0" lang="en-US" sz="1050" spc="-1" strike="noStrike">
-                <a:solidFill>
-                  <a:srgbClr val="000000"/>
-                </a:solidFill>
-                <a:uFill>
-                  <a:solidFill>
-                    <a:srgbClr val="ffffff"/>
-                  </a:solidFill>
-                </a:uFill>
-                <a:latin typeface="Arial"/>
-              </a:rPr>
-              <a:t>	</a:t>
-            </a:r>
-            <a:r>
-              <a:rPr b="0" lang="en-US" sz="1050" spc="-1" strike="noStrike">
-                <a:solidFill>
-                  <a:srgbClr val="000000"/>
-                </a:solidFill>
-                <a:uFill>
-                  <a:solidFill>
-                    <a:srgbClr val="ffffff"/>
-                  </a:solidFill>
-                </a:uFill>
-                <a:latin typeface="Arial"/>
-              </a:rPr>
-              <a:t>	</a:t>
-            </a:r>
-            <a:r>
-              <a:rPr b="0" lang="en-US" sz="1050" spc="-1" strike="noStrike">
-                <a:solidFill>
-                  <a:srgbClr val="000000"/>
-                </a:solidFill>
-                <a:uFill>
-                  <a:solidFill>
-                    <a:srgbClr val="ffffff"/>
-                  </a:solidFill>
-                </a:uFill>
-                <a:latin typeface="Arial"/>
-              </a:rPr>
-              <a:t>	</a:t>
-            </a:r>
-            <a:r>
-              <a:rPr b="0" lang="en-US" sz="1050" spc="-1" strike="noStrike">
-                <a:solidFill>
-                  <a:srgbClr val="000000"/>
-                </a:solidFill>
-                <a:uFill>
-                  <a:solidFill>
-                    <a:srgbClr val="ffffff"/>
-                  </a:solidFill>
-                </a:uFill>
-                <a:latin typeface="Arial"/>
-              </a:rPr>
-              <a:t>&lt;/div&gt;</a:t>
-            </a:r>
-            <a:endParaRPr b="0" lang="en-US" sz="1050" spc="-1" strike="noStrike">
-              <a:solidFill>
-                <a:srgbClr val="000000"/>
-              </a:solidFill>
-              <a:uFill>
-                <a:solidFill>
-                  <a:srgbClr val="ffffff"/>
-                </a:solidFill>
-              </a:uFill>
-              <a:latin typeface="Arial"/>
-            </a:endParaRPr>
-          </a:p>
-          <a:p>
-            <a:r>
-              <a:rPr b="0" lang="en-US" sz="1050" spc="-1" strike="noStrike">
-                <a:solidFill>
-                  <a:srgbClr val="000000"/>
-                </a:solidFill>
-                <a:uFill>
-                  <a:solidFill>
-                    <a:srgbClr val="ffffff"/>
-                  </a:solidFill>
-                </a:uFill>
-                <a:latin typeface="Arial"/>
-              </a:rPr>
-              <a:t>	</a:t>
-            </a:r>
-            <a:r>
-              <a:rPr b="0" lang="en-US" sz="1050" spc="-1" strike="noStrike">
-                <a:solidFill>
-                  <a:srgbClr val="000000"/>
-                </a:solidFill>
-                <a:uFill>
-                  <a:solidFill>
-                    <a:srgbClr val="ffffff"/>
-                  </a:solidFill>
-                </a:uFill>
-                <a:latin typeface="Arial"/>
-              </a:rPr>
-              <a:t>	</a:t>
-            </a:r>
-            <a:r>
-              <a:rPr b="0" lang="en-US" sz="1050" spc="-1" strike="noStrike">
-                <a:solidFill>
-                  <a:srgbClr val="000000"/>
-                </a:solidFill>
-                <a:uFill>
-                  <a:solidFill>
-                    <a:srgbClr val="ffffff"/>
-                  </a:solidFill>
-                </a:uFill>
-                <a:latin typeface="Arial"/>
-              </a:rPr>
-              <a:t>	</a:t>
-            </a:r>
-            <a:r>
-              <a:rPr b="0" lang="en-US" sz="1050" spc="-1" strike="noStrike">
-                <a:solidFill>
-                  <a:srgbClr val="000000"/>
-                </a:solidFill>
-                <a:uFill>
-                  <a:solidFill>
-                    <a:srgbClr val="ffffff"/>
-                  </a:solidFill>
-                </a:uFill>
-                <a:latin typeface="Arial"/>
-              </a:rPr>
-              <a:t>	</a:t>
-            </a:r>
-            <a:r>
-              <a:rPr b="0" lang="en-US" sz="1050" spc="-1" strike="noStrike">
-                <a:solidFill>
-                  <a:srgbClr val="000000"/>
-                </a:solidFill>
-                <a:uFill>
-                  <a:solidFill>
-                    <a:srgbClr val="ffffff"/>
-                  </a:solidFill>
-                </a:uFill>
-                <a:latin typeface="Arial"/>
-              </a:rPr>
-              <a:t>	</a:t>
-            </a:r>
-            <a:r>
-              <a:rPr b="0" lang="en-US" sz="1050" spc="-1" strike="noStrike">
-                <a:solidFill>
-                  <a:srgbClr val="000000"/>
-                </a:solidFill>
-                <a:uFill>
-                  <a:solidFill>
-                    <a:srgbClr val="ffffff"/>
-                  </a:solidFill>
-                </a:uFill>
-                <a:latin typeface="Arial"/>
-              </a:rPr>
-              <a:t>&lt;/div&gt;</a:t>
-            </a:r>
-            <a:endParaRPr b="0" lang="en-US" sz="1050" spc="-1" strike="noStrike">
-              <a:solidFill>
-                <a:srgbClr val="000000"/>
-              </a:solidFill>
-              <a:uFill>
-                <a:solidFill>
-                  <a:srgbClr val="ffffff"/>
-                </a:solidFill>
-              </a:uFill>
-              <a:latin typeface="Arial"/>
-            </a:endParaRPr>
-          </a:p>
-          <a:p>
-            <a:r>
-              <a:rPr b="0" lang="en-US" sz="1050" spc="-1" strike="noStrike">
-                <a:solidFill>
-                  <a:srgbClr val="000000"/>
-                </a:solidFill>
-                <a:uFill>
-                  <a:solidFill>
-                    <a:srgbClr val="ffffff"/>
-                  </a:solidFill>
-                </a:uFill>
-                <a:latin typeface="Arial"/>
-              </a:rPr>
-              <a:t>	</a:t>
-            </a:r>
-            <a:r>
-              <a:rPr b="0" lang="en-US" sz="1050" spc="-1" strike="noStrike">
-                <a:solidFill>
-                  <a:srgbClr val="000000"/>
-                </a:solidFill>
-                <a:uFill>
-                  <a:solidFill>
-                    <a:srgbClr val="ffffff"/>
-                  </a:solidFill>
-                </a:uFill>
-                <a:latin typeface="Arial"/>
-              </a:rPr>
-              <a:t>	</a:t>
-            </a:r>
-            <a:r>
-              <a:rPr b="0" lang="en-US" sz="1050" spc="-1" strike="noStrike">
-                <a:solidFill>
-                  <a:srgbClr val="000000"/>
-                </a:solidFill>
-                <a:uFill>
-                  <a:solidFill>
-                    <a:srgbClr val="ffffff"/>
-                  </a:solidFill>
-                </a:uFill>
-                <a:latin typeface="Arial"/>
-              </a:rPr>
-              <a:t>	</a:t>
-            </a:r>
-            <a:r>
-              <a:rPr b="0" lang="en-US" sz="1050" spc="-1" strike="noStrike">
-                <a:solidFill>
-                  <a:srgbClr val="000000"/>
-                </a:solidFill>
-                <a:uFill>
-                  <a:solidFill>
-                    <a:srgbClr val="ffffff"/>
-                  </a:solidFill>
-                </a:uFill>
-                <a:latin typeface="Arial"/>
-              </a:rPr>
-              <a:t>	</a:t>
-            </a:r>
-            <a:r>
-              <a:rPr b="0" lang="en-US" sz="1050" spc="-1" strike="noStrike">
-                <a:solidFill>
-                  <a:srgbClr val="000000"/>
-                </a:solidFill>
-                <a:uFill>
-                  <a:solidFill>
-                    <a:srgbClr val="ffffff"/>
-                  </a:solidFill>
-                </a:uFill>
-                <a:latin typeface="Arial"/>
-              </a:rPr>
-              <a:t>&lt;/div&gt;</a:t>
-            </a:r>
-            <a:endParaRPr b="0" lang="en-US" sz="1050" spc="-1" strike="noStrike">
-              <a:solidFill>
-                <a:srgbClr val="000000"/>
-              </a:solidFill>
-              <a:uFill>
-                <a:solidFill>
-                  <a:srgbClr val="ffffff"/>
-                </a:solidFill>
-              </a:uFill>
-              <a:latin typeface="Arial"/>
-            </a:endParaRPr>
-          </a:p>
-          <a:p>
-            <a:endParaRPr b="0" lang="en-US" sz="1050" spc="-1" strike="noStrike">
-              <a:solidFill>
-                <a:srgbClr val="000000"/>
-              </a:solidFill>
-              <a:uFill>
-                <a:solidFill>
-                  <a:srgbClr val="ffffff"/>
-                </a:solidFill>
-              </a:uFill>
-              <a:latin typeface="Arial"/>
-            </a:endParaRPr>
-          </a:p>
-          <a:p>
-            <a:r>
-              <a:rPr b="0" lang="en-US" sz="1050" spc="-1" strike="noStrike">
-                <a:solidFill>
-                  <a:srgbClr val="000000"/>
-                </a:solidFill>
-                <a:uFill>
-                  <a:solidFill>
-                    <a:srgbClr val="ffffff"/>
-                  </a:solidFill>
-                </a:uFill>
-                <a:latin typeface="Arial"/>
-              </a:rPr>
-              <a:t>	</a:t>
-            </a:r>
-            <a:r>
-              <a:rPr b="0" lang="en-US" sz="1050" spc="-1" strike="noStrike">
-                <a:solidFill>
-                  <a:srgbClr val="000000"/>
-                </a:solidFill>
-                <a:uFill>
-                  <a:solidFill>
-                    <a:srgbClr val="ffffff"/>
-                  </a:solidFill>
-                </a:uFill>
-                <a:latin typeface="Arial"/>
-              </a:rPr>
-              <a:t>	</a:t>
-            </a:r>
-            <a:r>
-              <a:rPr b="0" lang="en-US" sz="1050" spc="-1" strike="noStrike">
-                <a:solidFill>
-                  <a:srgbClr val="000000"/>
-                </a:solidFill>
-                <a:uFill>
-                  <a:solidFill>
-                    <a:srgbClr val="ffffff"/>
-                  </a:solidFill>
-                </a:uFill>
-                <a:latin typeface="Arial"/>
-              </a:rPr>
-              <a:t>	</a:t>
-            </a:r>
-            <a:r>
-              <a:rPr b="0" lang="en-US" sz="1050" spc="-1" strike="noStrike">
-                <a:solidFill>
-                  <a:srgbClr val="000000"/>
-                </a:solidFill>
-                <a:uFill>
-                  <a:solidFill>
-                    <a:srgbClr val="ffffff"/>
-                  </a:solidFill>
-                </a:uFill>
-                <a:latin typeface="Arial"/>
-              </a:rPr>
-              <a:t>	</a:t>
-            </a:r>
-            <a:r>
-              <a:rPr b="0" lang="en-US" sz="1050" spc="-1" strike="noStrike">
-                <a:solidFill>
-                  <a:srgbClr val="000000"/>
-                </a:solidFill>
-                <a:uFill>
-                  <a:solidFill>
-                    <a:srgbClr val="ffffff"/>
-                  </a:solidFill>
-                </a:uFill>
-                <a:latin typeface="Arial"/>
-              </a:rPr>
-              <a:t>&lt;div class="row"&gt;</a:t>
-            </a:r>
-            <a:endParaRPr b="0" lang="en-US" sz="1050" spc="-1" strike="noStrike">
-              <a:solidFill>
-                <a:srgbClr val="000000"/>
-              </a:solidFill>
-              <a:uFill>
-                <a:solidFill>
-                  <a:srgbClr val="ffffff"/>
-                </a:solidFill>
-              </a:uFill>
-              <a:latin typeface="Arial"/>
-            </a:endParaRPr>
-          </a:p>
-          <a:p>
-            <a:r>
-              <a:rPr b="0" lang="en-US" sz="1050" spc="-1" strike="noStrike">
-                <a:solidFill>
-                  <a:srgbClr val="000000"/>
-                </a:solidFill>
-                <a:uFill>
-                  <a:solidFill>
-                    <a:srgbClr val="ffffff"/>
-                  </a:solidFill>
-                </a:uFill>
-                <a:latin typeface="Arial"/>
-              </a:rPr>
-              <a:t>	</a:t>
-            </a:r>
-            <a:r>
-              <a:rPr b="0" lang="en-US" sz="1050" spc="-1" strike="noStrike">
-                <a:solidFill>
-                  <a:srgbClr val="000000"/>
-                </a:solidFill>
-                <a:uFill>
-                  <a:solidFill>
-                    <a:srgbClr val="ffffff"/>
-                  </a:solidFill>
-                </a:uFill>
-                <a:latin typeface="Arial"/>
-              </a:rPr>
-              <a:t>	</a:t>
-            </a:r>
-            <a:r>
-              <a:rPr b="0" lang="en-US" sz="1050" spc="-1" strike="noStrike">
-                <a:solidFill>
-                  <a:srgbClr val="000000"/>
-                </a:solidFill>
-                <a:uFill>
-                  <a:solidFill>
-                    <a:srgbClr val="ffffff"/>
-                  </a:solidFill>
-                </a:uFill>
-                <a:latin typeface="Arial"/>
-              </a:rPr>
-              <a:t>	</a:t>
-            </a:r>
-            <a:r>
-              <a:rPr b="0" lang="en-US" sz="1050" spc="-1" strike="noStrike">
-                <a:solidFill>
-                  <a:srgbClr val="000000"/>
-                </a:solidFill>
-                <a:uFill>
-                  <a:solidFill>
-                    <a:srgbClr val="ffffff"/>
-                  </a:solidFill>
-                </a:uFill>
-                <a:latin typeface="Arial"/>
-              </a:rPr>
-              <a:t>	</a:t>
-            </a:r>
-            <a:r>
-              <a:rPr b="0" lang="en-US" sz="1050" spc="-1" strike="noStrike">
-                <a:solidFill>
-                  <a:srgbClr val="000000"/>
-                </a:solidFill>
-                <a:uFill>
-                  <a:solidFill>
-                    <a:srgbClr val="ffffff"/>
-                  </a:solidFill>
-                </a:uFill>
-                <a:latin typeface="Arial"/>
-              </a:rPr>
-              <a:t>	</a:t>
-            </a:r>
-            <a:r>
-              <a:rPr b="0" lang="en-US" sz="1050" spc="-1" strike="noStrike">
-                <a:solidFill>
-                  <a:srgbClr val="000000"/>
-                </a:solidFill>
-                <a:uFill>
-                  <a:solidFill>
-                    <a:srgbClr val="ffffff"/>
-                  </a:solidFill>
-                </a:uFill>
-                <a:latin typeface="Arial"/>
-              </a:rPr>
-              <a:t>&lt;div class="form-group"&gt;</a:t>
-            </a:r>
-            <a:endParaRPr b="0" lang="en-US" sz="1050" spc="-1" strike="noStrike">
-              <a:solidFill>
-                <a:srgbClr val="000000"/>
-              </a:solidFill>
-              <a:uFill>
-                <a:solidFill>
-                  <a:srgbClr val="ffffff"/>
-                </a:solidFill>
-              </a:uFill>
-              <a:latin typeface="Arial"/>
-            </a:endParaRPr>
-          </a:p>
-          <a:p>
-            <a:r>
-              <a:rPr b="0" lang="en-US" sz="1050" spc="-1" strike="noStrike">
-                <a:solidFill>
-                  <a:srgbClr val="000000"/>
-                </a:solidFill>
-                <a:uFill>
-                  <a:solidFill>
-                    <a:srgbClr val="ffffff"/>
-                  </a:solidFill>
-                </a:uFill>
-                <a:latin typeface="Arial"/>
-              </a:rPr>
-              <a:t>	</a:t>
-            </a:r>
-            <a:r>
-              <a:rPr b="0" lang="en-US" sz="1050" spc="-1" strike="noStrike">
-                <a:solidFill>
-                  <a:srgbClr val="000000"/>
-                </a:solidFill>
-                <a:uFill>
-                  <a:solidFill>
-                    <a:srgbClr val="ffffff"/>
-                  </a:solidFill>
-                </a:uFill>
-                <a:latin typeface="Arial"/>
-              </a:rPr>
-              <a:t>	</a:t>
-            </a:r>
-            <a:r>
-              <a:rPr b="0" lang="en-US" sz="1050" spc="-1" strike="noStrike">
-                <a:solidFill>
-                  <a:srgbClr val="000000"/>
-                </a:solidFill>
-                <a:uFill>
-                  <a:solidFill>
-                    <a:srgbClr val="ffffff"/>
-                  </a:solidFill>
-                </a:uFill>
-                <a:latin typeface="Arial"/>
-              </a:rPr>
-              <a:t>	</a:t>
-            </a:r>
-            <a:r>
-              <a:rPr b="0" lang="en-US" sz="1050" spc="-1" strike="noStrike">
-                <a:solidFill>
-                  <a:srgbClr val="000000"/>
-                </a:solidFill>
-                <a:uFill>
-                  <a:solidFill>
-                    <a:srgbClr val="ffffff"/>
-                  </a:solidFill>
-                </a:uFill>
-                <a:latin typeface="Arial"/>
-              </a:rPr>
-              <a:t>	</a:t>
-            </a:r>
-            <a:r>
-              <a:rPr b="0" lang="en-US" sz="1050" spc="-1" strike="noStrike">
-                <a:solidFill>
-                  <a:srgbClr val="000000"/>
-                </a:solidFill>
-                <a:uFill>
-                  <a:solidFill>
-                    <a:srgbClr val="ffffff"/>
-                  </a:solidFill>
-                </a:uFill>
-                <a:latin typeface="Arial"/>
-              </a:rPr>
-              <a:t>	</a:t>
-            </a:r>
-            <a:r>
-              <a:rPr b="0" lang="en-US" sz="1050" spc="-1" strike="noStrike">
-                <a:solidFill>
-                  <a:srgbClr val="000000"/>
-                </a:solidFill>
-                <a:uFill>
-                  <a:solidFill>
-                    <a:srgbClr val="ffffff"/>
-                  </a:solidFill>
-                </a:uFill>
-                <a:latin typeface="Arial"/>
-              </a:rPr>
-              <a:t>	</a:t>
-            </a:r>
-            <a:r>
-              <a:rPr b="0" lang="en-US" sz="1050" spc="-1" strike="noStrike">
-                <a:solidFill>
-                  <a:srgbClr val="000000"/>
-                </a:solidFill>
-                <a:uFill>
-                  <a:solidFill>
-                    <a:srgbClr val="ffffff"/>
-                  </a:solidFill>
-                </a:uFill>
-                <a:latin typeface="Arial"/>
-              </a:rPr>
-              <a:t>&lt;label class="col-lg-3" for="cookies"&gt;&lt;?php echo $clauses-&gt;get('cookies_login'); ?&gt;&lt;/label&gt;</a:t>
-            </a:r>
-            <a:endParaRPr b="0" lang="en-US" sz="1050" spc="-1" strike="noStrike">
-              <a:solidFill>
-                <a:srgbClr val="000000"/>
-              </a:solidFill>
-              <a:uFill>
-                <a:solidFill>
-                  <a:srgbClr val="ffffff"/>
-                </a:solidFill>
-              </a:uFill>
-              <a:latin typeface="Arial"/>
-            </a:endParaRPr>
-          </a:p>
-          <a:p>
-            <a:r>
-              <a:rPr b="0" lang="en-US" sz="1050" spc="-1" strike="noStrike">
-                <a:solidFill>
-                  <a:srgbClr val="000000"/>
-                </a:solidFill>
-                <a:uFill>
-                  <a:solidFill>
-                    <a:srgbClr val="ffffff"/>
-                  </a:solidFill>
-                </a:uFill>
-                <a:latin typeface="Arial"/>
-              </a:rPr>
-              <a:t>	</a:t>
-            </a:r>
-            <a:r>
-              <a:rPr b="0" lang="en-US" sz="1050" spc="-1" strike="noStrike">
-                <a:solidFill>
-                  <a:srgbClr val="000000"/>
-                </a:solidFill>
-                <a:uFill>
-                  <a:solidFill>
-                    <a:srgbClr val="ffffff"/>
-                  </a:solidFill>
-                </a:uFill>
-                <a:latin typeface="Arial"/>
-              </a:rPr>
-              <a:t>	</a:t>
-            </a:r>
-            <a:r>
-              <a:rPr b="0" lang="en-US" sz="1050" spc="-1" strike="noStrike">
-                <a:solidFill>
-                  <a:srgbClr val="000000"/>
-                </a:solidFill>
-                <a:uFill>
-                  <a:solidFill>
-                    <a:srgbClr val="ffffff"/>
-                  </a:solidFill>
-                </a:uFill>
-                <a:latin typeface="Arial"/>
-              </a:rPr>
-              <a:t>	</a:t>
-            </a:r>
-            <a:r>
-              <a:rPr b="0" lang="en-US" sz="1050" spc="-1" strike="noStrike">
-                <a:solidFill>
-                  <a:srgbClr val="000000"/>
-                </a:solidFill>
-                <a:uFill>
-                  <a:solidFill>
-                    <a:srgbClr val="ffffff"/>
-                  </a:solidFill>
-                </a:uFill>
-                <a:latin typeface="Arial"/>
-              </a:rPr>
-              <a:t>	</a:t>
-            </a:r>
-            <a:r>
-              <a:rPr b="0" lang="en-US" sz="1050" spc="-1" strike="noStrike">
-                <a:solidFill>
-                  <a:srgbClr val="000000"/>
-                </a:solidFill>
-                <a:uFill>
-                  <a:solidFill>
-                    <a:srgbClr val="ffffff"/>
-                  </a:solidFill>
-                </a:uFill>
-                <a:latin typeface="Arial"/>
-              </a:rPr>
-              <a:t>	</a:t>
-            </a:r>
-            <a:r>
-              <a:rPr b="0" lang="en-US" sz="1050" spc="-1" strike="noStrike">
-                <a:solidFill>
-                  <a:srgbClr val="000000"/>
-                </a:solidFill>
-                <a:uFill>
-                  <a:solidFill>
-                    <a:srgbClr val="ffffff"/>
-                  </a:solidFill>
-                </a:uFill>
-                <a:latin typeface="Arial"/>
-              </a:rPr>
-              <a:t>	</a:t>
-            </a:r>
-            <a:r>
-              <a:rPr b="0" lang="en-US" sz="1050" spc="-1" strike="noStrike">
-                <a:solidFill>
-                  <a:srgbClr val="000000"/>
-                </a:solidFill>
-                <a:uFill>
-                  <a:solidFill>
-                    <a:srgbClr val="ffffff"/>
-                  </a:solidFill>
-                </a:uFill>
-                <a:latin typeface="Arial"/>
-              </a:rPr>
-              <a:t>&lt;div class="col-lg-9"&gt;</a:t>
-            </a:r>
-            <a:endParaRPr b="0" lang="en-US" sz="1050" spc="-1" strike="noStrike">
-              <a:solidFill>
-                <a:srgbClr val="000000"/>
-              </a:solidFill>
-              <a:uFill>
-                <a:solidFill>
-                  <a:srgbClr val="ffffff"/>
-                </a:solidFill>
-              </a:uFill>
-              <a:latin typeface="Arial"/>
-            </a:endParaRPr>
-          </a:p>
-          <a:p>
-            <a:r>
-              <a:rPr b="0" lang="en-US" sz="1050" spc="-1" strike="noStrike">
-                <a:solidFill>
-                  <a:srgbClr val="000000"/>
-                </a:solidFill>
-                <a:uFill>
-                  <a:solidFill>
-                    <a:srgbClr val="ffffff"/>
-                  </a:solidFill>
-                </a:uFill>
-                <a:latin typeface="Arial"/>
-              </a:rPr>
-              <a:t>	</a:t>
-            </a:r>
-            <a:r>
-              <a:rPr b="0" lang="en-US" sz="1050" spc="-1" strike="noStrike">
-                <a:solidFill>
-                  <a:srgbClr val="000000"/>
-                </a:solidFill>
-                <a:uFill>
-                  <a:solidFill>
-                    <a:srgbClr val="ffffff"/>
-                  </a:solidFill>
-                </a:uFill>
-                <a:latin typeface="Arial"/>
-              </a:rPr>
-              <a:t>	</a:t>
-            </a:r>
-            <a:r>
-              <a:rPr b="0" lang="en-US" sz="1050" spc="-1" strike="noStrike">
-                <a:solidFill>
-                  <a:srgbClr val="000000"/>
-                </a:solidFill>
-                <a:uFill>
-                  <a:solidFill>
-                    <a:srgbClr val="ffffff"/>
-                  </a:solidFill>
-                </a:uFill>
-                <a:latin typeface="Arial"/>
-              </a:rPr>
-              <a:t>	</a:t>
-            </a:r>
-            <a:r>
-              <a:rPr b="0" lang="en-US" sz="1050" spc="-1" strike="noStrike">
-                <a:solidFill>
-                  <a:srgbClr val="000000"/>
-                </a:solidFill>
-                <a:uFill>
-                  <a:solidFill>
-                    <a:srgbClr val="ffffff"/>
-                  </a:solidFill>
-                </a:uFill>
-                <a:latin typeface="Arial"/>
-              </a:rPr>
-              <a:t>	</a:t>
-            </a:r>
-            <a:r>
-              <a:rPr b="0" lang="en-US" sz="1050" spc="-1" strike="noStrike">
-                <a:solidFill>
-                  <a:srgbClr val="000000"/>
-                </a:solidFill>
-                <a:uFill>
-                  <a:solidFill>
-                    <a:srgbClr val="ffffff"/>
-                  </a:solidFill>
-                </a:uFill>
-                <a:latin typeface="Arial"/>
-              </a:rPr>
-              <a:t>	</a:t>
-            </a:r>
-            <a:r>
-              <a:rPr b="0" lang="en-US" sz="1050" spc="-1" strike="noStrike">
-                <a:solidFill>
-                  <a:srgbClr val="000000"/>
-                </a:solidFill>
-                <a:uFill>
-                  <a:solidFill>
-                    <a:srgbClr val="ffffff"/>
-                  </a:solidFill>
-                </a:uFill>
-                <a:latin typeface="Arial"/>
-              </a:rPr>
-              <a:t>	</a:t>
-            </a:r>
-            <a:r>
-              <a:rPr b="0" lang="en-US" sz="1050" spc="-1" strike="noStrike">
-                <a:solidFill>
-                  <a:srgbClr val="000000"/>
-                </a:solidFill>
-                <a:uFill>
-                  <a:solidFill>
-                    <a:srgbClr val="ffffff"/>
-                  </a:solidFill>
-                </a:uFill>
-                <a:latin typeface="Arial"/>
-              </a:rPr>
-              <a:t>	</a:t>
-            </a:r>
-            <a:r>
-              <a:rPr b="0" lang="en-US" sz="1050" spc="-1" strike="noStrike">
-                <a:solidFill>
-                  <a:srgbClr val="000000"/>
-                </a:solidFill>
-                <a:uFill>
-                  <a:solidFill>
-                    <a:srgbClr val="ffffff"/>
-                  </a:solidFill>
-                </a:uFill>
-                <a:latin typeface="Arial"/>
-              </a:rPr>
-              <a:t>&lt;div class="checkbox"&gt;</a:t>
-            </a:r>
-            <a:endParaRPr b="0" lang="en-US" sz="1050" spc="-1" strike="noStrike">
-              <a:solidFill>
-                <a:srgbClr val="000000"/>
-              </a:solidFill>
-              <a:uFill>
-                <a:solidFill>
-                  <a:srgbClr val="ffffff"/>
-                </a:solidFill>
-              </a:uFill>
-              <a:latin typeface="Arial"/>
-            </a:endParaRPr>
-          </a:p>
-          <a:p>
-            <a:r>
-              <a:rPr b="0" lang="en-US" sz="1050" spc="-1" strike="noStrike">
-                <a:solidFill>
-                  <a:srgbClr val="000000"/>
-                </a:solidFill>
-                <a:uFill>
-                  <a:solidFill>
-                    <a:srgbClr val="ffffff"/>
-                  </a:solidFill>
-                </a:uFill>
-                <a:latin typeface="Arial"/>
-              </a:rPr>
-              <a:t>	</a:t>
-            </a:r>
-            <a:r>
-              <a:rPr b="0" lang="en-US" sz="1050" spc="-1" strike="noStrike">
-                <a:solidFill>
-                  <a:srgbClr val="000000"/>
-                </a:solidFill>
-                <a:uFill>
-                  <a:solidFill>
-                    <a:srgbClr val="ffffff"/>
-                  </a:solidFill>
-                </a:uFill>
-                <a:latin typeface="Arial"/>
-              </a:rPr>
-              <a:t>	</a:t>
-            </a:r>
-            <a:r>
-              <a:rPr b="0" lang="en-US" sz="1050" spc="-1" strike="noStrike">
-                <a:solidFill>
-                  <a:srgbClr val="000000"/>
-                </a:solidFill>
-                <a:uFill>
-                  <a:solidFill>
-                    <a:srgbClr val="ffffff"/>
-                  </a:solidFill>
-                </a:uFill>
-                <a:latin typeface="Arial"/>
-              </a:rPr>
-              <a:t>	</a:t>
-            </a:r>
-            <a:r>
-              <a:rPr b="0" lang="en-US" sz="1050" spc="-1" strike="noStrike">
-                <a:solidFill>
-                  <a:srgbClr val="000000"/>
-                </a:solidFill>
-                <a:uFill>
-                  <a:solidFill>
-                    <a:srgbClr val="ffffff"/>
-                  </a:solidFill>
-                </a:uFill>
-                <a:latin typeface="Arial"/>
-              </a:rPr>
-              <a:t>	</a:t>
-            </a:r>
-            <a:r>
-              <a:rPr b="0" lang="en-US" sz="1050" spc="-1" strike="noStrike">
-                <a:solidFill>
-                  <a:srgbClr val="000000"/>
-                </a:solidFill>
-                <a:uFill>
-                  <a:solidFill>
-                    <a:srgbClr val="ffffff"/>
-                  </a:solidFill>
-                </a:uFill>
-                <a:latin typeface="Arial"/>
-              </a:rPr>
-              <a:t>	</a:t>
-            </a:r>
-            <a:r>
-              <a:rPr b="0" lang="en-US" sz="1050" spc="-1" strike="noStrike">
-                <a:solidFill>
-                  <a:srgbClr val="000000"/>
-                </a:solidFill>
-                <a:uFill>
-                  <a:solidFill>
-                    <a:srgbClr val="ffffff"/>
-                  </a:solidFill>
-                </a:uFill>
-                <a:latin typeface="Arial"/>
-              </a:rPr>
-              <a:t>	</a:t>
-            </a:r>
-            <a:r>
-              <a:rPr b="0" lang="en-US" sz="1050" spc="-1" strike="noStrike">
-                <a:solidFill>
-                  <a:srgbClr val="000000"/>
-                </a:solidFill>
-                <a:uFill>
-                  <a:solidFill>
-                    <a:srgbClr val="ffffff"/>
-                  </a:solidFill>
-                </a:uFill>
-                <a:latin typeface="Arial"/>
-              </a:rPr>
-              <a:t>	</a:t>
-            </a:r>
-            <a:r>
-              <a:rPr b="0" lang="en-US" sz="1050" spc="-1" strike="noStrike">
-                <a:solidFill>
-                  <a:srgbClr val="000000"/>
-                </a:solidFill>
-                <a:uFill>
-                  <a:solidFill>
-                    <a:srgbClr val="ffffff"/>
-                  </a:solidFill>
-                </a:uFill>
-                <a:latin typeface="Arial"/>
-              </a:rPr>
-              <a:t>	</a:t>
-            </a:r>
-            <a:r>
-              <a:rPr b="0" lang="en-US" sz="1050" spc="-1" strike="noStrike">
-                <a:solidFill>
-                  <a:srgbClr val="000000"/>
-                </a:solidFill>
-                <a:uFill>
-                  <a:solidFill>
-                    <a:srgbClr val="ffffff"/>
-                  </a:solidFill>
-                </a:uFill>
-                <a:latin typeface="Arial"/>
-              </a:rPr>
-              <a:t>&lt;label for="cookies"&gt;</a:t>
-            </a:r>
-            <a:endParaRPr b="0" lang="en-US" sz="1050" spc="-1" strike="noStrike">
-              <a:solidFill>
-                <a:srgbClr val="000000"/>
-              </a:solidFill>
-              <a:uFill>
-                <a:solidFill>
-                  <a:srgbClr val="ffffff"/>
-                </a:solidFill>
-              </a:uFill>
-              <a:latin typeface="Arial"/>
-            </a:endParaRPr>
-          </a:p>
-          <a:p>
-            <a:r>
-              <a:rPr b="0" lang="en-US" sz="1050" spc="-1" strike="noStrike">
-                <a:solidFill>
-                  <a:srgbClr val="000000"/>
-                </a:solidFill>
-                <a:uFill>
-                  <a:solidFill>
-                    <a:srgbClr val="ffffff"/>
-                  </a:solidFill>
-                </a:uFill>
-                <a:latin typeface="Arial"/>
-              </a:rPr>
-              <a:t>	</a:t>
-            </a:r>
-            <a:r>
-              <a:rPr b="0" lang="en-US" sz="1050" spc="-1" strike="noStrike">
-                <a:solidFill>
-                  <a:srgbClr val="000000"/>
-                </a:solidFill>
-                <a:uFill>
-                  <a:solidFill>
-                    <a:srgbClr val="ffffff"/>
-                  </a:solidFill>
-                </a:uFill>
-                <a:latin typeface="Arial"/>
-              </a:rPr>
-              <a:t>	</a:t>
-            </a:r>
-            <a:r>
-              <a:rPr b="0" lang="en-US" sz="1050" spc="-1" strike="noStrike">
-                <a:solidFill>
-                  <a:srgbClr val="000000"/>
-                </a:solidFill>
-                <a:uFill>
-                  <a:solidFill>
-                    <a:srgbClr val="ffffff"/>
-                  </a:solidFill>
-                </a:uFill>
-                <a:latin typeface="Arial"/>
-              </a:rPr>
-              <a:t>	</a:t>
-            </a:r>
-            <a:r>
-              <a:rPr b="0" lang="en-US" sz="1050" spc="-1" strike="noStrike">
-                <a:solidFill>
-                  <a:srgbClr val="000000"/>
-                </a:solidFill>
-                <a:uFill>
-                  <a:solidFill>
-                    <a:srgbClr val="ffffff"/>
-                  </a:solidFill>
-                </a:uFill>
-                <a:latin typeface="Arial"/>
-              </a:rPr>
-              <a:t>	</a:t>
-            </a:r>
-            <a:r>
-              <a:rPr b="0" lang="en-US" sz="1050" spc="-1" strike="noStrike">
-                <a:solidFill>
-                  <a:srgbClr val="000000"/>
-                </a:solidFill>
-                <a:uFill>
-                  <a:solidFill>
-                    <a:srgbClr val="ffffff"/>
-                  </a:solidFill>
-                </a:uFill>
-                <a:latin typeface="Arial"/>
-              </a:rPr>
-              <a:t>	</a:t>
-            </a:r>
-            <a:r>
-              <a:rPr b="0" lang="en-US" sz="1050" spc="-1" strike="noStrike">
-                <a:solidFill>
-                  <a:srgbClr val="000000"/>
-                </a:solidFill>
-                <a:uFill>
-                  <a:solidFill>
-                    <a:srgbClr val="ffffff"/>
-                  </a:solidFill>
-                </a:uFill>
-                <a:latin typeface="Arial"/>
-              </a:rPr>
-              <a:t>	</a:t>
-            </a:r>
-            <a:r>
-              <a:rPr b="0" lang="en-US" sz="1050" spc="-1" strike="noStrike">
-                <a:solidFill>
-                  <a:srgbClr val="000000"/>
-                </a:solidFill>
-                <a:uFill>
-                  <a:solidFill>
-                    <a:srgbClr val="ffffff"/>
-                  </a:solidFill>
-                </a:uFill>
-                <a:latin typeface="Arial"/>
-              </a:rPr>
-              <a:t>	</a:t>
-            </a:r>
-            <a:r>
-              <a:rPr b="0" lang="en-US" sz="1050" spc="-1" strike="noStrike">
-                <a:solidFill>
-                  <a:srgbClr val="000000"/>
-                </a:solidFill>
-                <a:uFill>
-                  <a:solidFill>
-                    <a:srgbClr val="ffffff"/>
-                  </a:solidFill>
-                </a:uFill>
-                <a:latin typeface="Arial"/>
-              </a:rPr>
-              <a:t>	</a:t>
-            </a:r>
-            <a:r>
-              <a:rPr b="0" lang="en-US" sz="1050" spc="-1" strike="noStrike">
-                <a:solidFill>
-                  <a:srgbClr val="000000"/>
-                </a:solidFill>
-                <a:uFill>
-                  <a:solidFill>
-                    <a:srgbClr val="ffffff"/>
-                  </a:solidFill>
-                </a:uFill>
-                <a:latin typeface="Arial"/>
-              </a:rPr>
-              <a:t>	</a:t>
-            </a:r>
-            <a:r>
-              <a:rPr b="0" lang="en-US" sz="1050" spc="-1" strike="noStrike">
-                <a:solidFill>
-                  <a:srgbClr val="000000"/>
-                </a:solidFill>
-                <a:uFill>
-                  <a:solidFill>
-                    <a:srgbClr val="ffffff"/>
-                  </a:solidFill>
-                </a:uFill>
-                <a:latin typeface="Arial"/>
-              </a:rPr>
-              <a:t>&lt;input type="checkbox" name="cookies" id="cookies" value="on" checked&gt;</a:t>
-            </a:r>
-            <a:endParaRPr b="0" lang="en-US" sz="1050" spc="-1" strike="noStrike">
-              <a:solidFill>
-                <a:srgbClr val="000000"/>
-              </a:solidFill>
-              <a:uFill>
-                <a:solidFill>
-                  <a:srgbClr val="ffffff"/>
-                </a:solidFill>
-              </a:uFill>
-              <a:latin typeface="Arial"/>
-            </a:endParaRPr>
-          </a:p>
-          <a:p>
-            <a:r>
-              <a:rPr b="0" lang="en-US" sz="1050" spc="-1" strike="noStrike">
-                <a:solidFill>
-                  <a:srgbClr val="000000"/>
-                </a:solidFill>
-                <a:uFill>
-                  <a:solidFill>
-                    <a:srgbClr val="ffffff"/>
-                  </a:solidFill>
-                </a:uFill>
-                <a:latin typeface="Arial"/>
-              </a:rPr>
-              <a:t>	</a:t>
-            </a:r>
-            <a:r>
-              <a:rPr b="0" lang="en-US" sz="1050" spc="-1" strike="noStrike">
-                <a:solidFill>
-                  <a:srgbClr val="000000"/>
-                </a:solidFill>
-                <a:uFill>
-                  <a:solidFill>
-                    <a:srgbClr val="ffffff"/>
-                  </a:solidFill>
-                </a:uFill>
-                <a:latin typeface="Arial"/>
-              </a:rPr>
-              <a:t>	</a:t>
-            </a:r>
-            <a:r>
-              <a:rPr b="0" lang="en-US" sz="1050" spc="-1" strike="noStrike">
-                <a:solidFill>
-                  <a:srgbClr val="000000"/>
-                </a:solidFill>
-                <a:uFill>
-                  <a:solidFill>
-                    <a:srgbClr val="ffffff"/>
-                  </a:solidFill>
-                </a:uFill>
-                <a:latin typeface="Arial"/>
-              </a:rPr>
-              <a:t>	</a:t>
-            </a:r>
-            <a:r>
-              <a:rPr b="0" lang="en-US" sz="1050" spc="-1" strike="noStrike">
-                <a:solidFill>
-                  <a:srgbClr val="000000"/>
-                </a:solidFill>
-                <a:uFill>
-                  <a:solidFill>
-                    <a:srgbClr val="ffffff"/>
-                  </a:solidFill>
-                </a:uFill>
-                <a:latin typeface="Arial"/>
-              </a:rPr>
-              <a:t>	</a:t>
-            </a:r>
-            <a:r>
-              <a:rPr b="0" lang="en-US" sz="1050" spc="-1" strike="noStrike">
-                <a:solidFill>
-                  <a:srgbClr val="000000"/>
-                </a:solidFill>
-                <a:uFill>
-                  <a:solidFill>
-                    <a:srgbClr val="ffffff"/>
-                  </a:solidFill>
-                </a:uFill>
-                <a:latin typeface="Arial"/>
-              </a:rPr>
-              <a:t>	</a:t>
-            </a:r>
-            <a:r>
-              <a:rPr b="0" lang="en-US" sz="1050" spc="-1" strike="noStrike">
-                <a:solidFill>
-                  <a:srgbClr val="000000"/>
-                </a:solidFill>
-                <a:uFill>
-                  <a:solidFill>
-                    <a:srgbClr val="ffffff"/>
-                  </a:solidFill>
-                </a:uFill>
-                <a:latin typeface="Arial"/>
-              </a:rPr>
-              <a:t>	</a:t>
-            </a:r>
-            <a:r>
-              <a:rPr b="0" lang="en-US" sz="1050" spc="-1" strike="noStrike">
-                <a:solidFill>
-                  <a:srgbClr val="000000"/>
-                </a:solidFill>
-                <a:uFill>
-                  <a:solidFill>
-                    <a:srgbClr val="ffffff"/>
-                  </a:solidFill>
-                </a:uFill>
-                <a:latin typeface="Arial"/>
-              </a:rPr>
-              <a:t>	</a:t>
-            </a:r>
-            <a:r>
-              <a:rPr b="0" lang="en-US" sz="1050" spc="-1" strike="noStrike">
-                <a:solidFill>
-                  <a:srgbClr val="000000"/>
-                </a:solidFill>
-                <a:uFill>
-                  <a:solidFill>
-                    <a:srgbClr val="ffffff"/>
-                  </a:solidFill>
-                </a:uFill>
-                <a:latin typeface="Arial"/>
-              </a:rPr>
-              <a:t>	</a:t>
-            </a:r>
-            <a:r>
-              <a:rPr b="0" lang="en-US" sz="1050" spc="-1" strike="noStrike">
-                <a:solidFill>
-                  <a:srgbClr val="000000"/>
-                </a:solidFill>
-                <a:uFill>
-                  <a:solidFill>
-                    <a:srgbClr val="ffffff"/>
-                  </a:solidFill>
-                </a:uFill>
-                <a:latin typeface="Arial"/>
-              </a:rPr>
-              <a:t>	</a:t>
-            </a:r>
-            <a:r>
-              <a:rPr b="0" lang="en-US" sz="1050" spc="-1" strike="noStrike">
-                <a:solidFill>
-                  <a:srgbClr val="000000"/>
-                </a:solidFill>
-                <a:uFill>
-                  <a:solidFill>
-                    <a:srgbClr val="ffffff"/>
-                  </a:solidFill>
-                </a:uFill>
-                <a:latin typeface="Arial"/>
-              </a:rPr>
-              <a:t>&lt;span&gt;* &lt;?php echo $clauses-&gt;get('cookies_login_info'); ?&gt;&lt;/span&gt;</a:t>
-            </a:r>
-            <a:endParaRPr b="0" lang="en-US" sz="1050" spc="-1" strike="noStrike">
-              <a:solidFill>
-                <a:srgbClr val="000000"/>
-              </a:solidFill>
-              <a:uFill>
-                <a:solidFill>
-                  <a:srgbClr val="ffffff"/>
-                </a:solidFill>
-              </a:uFill>
-              <a:latin typeface="Arial"/>
-            </a:endParaRPr>
-          </a:p>
-          <a:p>
-            <a:r>
-              <a:rPr b="0" lang="en-US" sz="1050" spc="-1" strike="noStrike">
-                <a:solidFill>
-                  <a:srgbClr val="000000"/>
-                </a:solidFill>
-                <a:uFill>
-                  <a:solidFill>
-                    <a:srgbClr val="ffffff"/>
-                  </a:solidFill>
-                </a:uFill>
-                <a:latin typeface="Arial"/>
-              </a:rPr>
-              <a:t>	</a:t>
-            </a:r>
-            <a:r>
-              <a:rPr b="0" lang="en-US" sz="1050" spc="-1" strike="noStrike">
-                <a:solidFill>
-                  <a:srgbClr val="000000"/>
-                </a:solidFill>
-                <a:uFill>
-                  <a:solidFill>
-                    <a:srgbClr val="ffffff"/>
-                  </a:solidFill>
-                </a:uFill>
-                <a:latin typeface="Arial"/>
-              </a:rPr>
-              <a:t>	</a:t>
-            </a:r>
-            <a:r>
-              <a:rPr b="0" lang="en-US" sz="1050" spc="-1" strike="noStrike">
-                <a:solidFill>
-                  <a:srgbClr val="000000"/>
-                </a:solidFill>
-                <a:uFill>
-                  <a:solidFill>
-                    <a:srgbClr val="ffffff"/>
-                  </a:solidFill>
-                </a:uFill>
-                <a:latin typeface="Arial"/>
-              </a:rPr>
-              <a:t>	</a:t>
-            </a:r>
-            <a:r>
-              <a:rPr b="0" lang="en-US" sz="1050" spc="-1" strike="noStrike">
-                <a:solidFill>
-                  <a:srgbClr val="000000"/>
-                </a:solidFill>
-                <a:uFill>
-                  <a:solidFill>
-                    <a:srgbClr val="ffffff"/>
-                  </a:solidFill>
-                </a:uFill>
-                <a:latin typeface="Arial"/>
-              </a:rPr>
-              <a:t>	</a:t>
-            </a:r>
-            <a:r>
-              <a:rPr b="0" lang="en-US" sz="1050" spc="-1" strike="noStrike">
-                <a:solidFill>
-                  <a:srgbClr val="000000"/>
-                </a:solidFill>
-                <a:uFill>
-                  <a:solidFill>
-                    <a:srgbClr val="ffffff"/>
-                  </a:solidFill>
-                </a:uFill>
-                <a:latin typeface="Arial"/>
-              </a:rPr>
-              <a:t>	</a:t>
-            </a:r>
-            <a:r>
-              <a:rPr b="0" lang="en-US" sz="1050" spc="-1" strike="noStrike">
-                <a:solidFill>
-                  <a:srgbClr val="000000"/>
-                </a:solidFill>
-                <a:uFill>
-                  <a:solidFill>
-                    <a:srgbClr val="ffffff"/>
-                  </a:solidFill>
-                </a:uFill>
-                <a:latin typeface="Arial"/>
-              </a:rPr>
-              <a:t>	</a:t>
-            </a:r>
-            <a:r>
-              <a:rPr b="0" lang="en-US" sz="1050" spc="-1" strike="noStrike">
-                <a:solidFill>
-                  <a:srgbClr val="000000"/>
-                </a:solidFill>
-                <a:uFill>
-                  <a:solidFill>
-                    <a:srgbClr val="ffffff"/>
-                  </a:solidFill>
-                </a:uFill>
-                <a:latin typeface="Arial"/>
-              </a:rPr>
-              <a:t>	</a:t>
-            </a:r>
-            <a:r>
-              <a:rPr b="0" lang="en-US" sz="1050" spc="-1" strike="noStrike">
-                <a:solidFill>
-                  <a:srgbClr val="000000"/>
-                </a:solidFill>
-                <a:uFill>
-                  <a:solidFill>
-                    <a:srgbClr val="ffffff"/>
-                  </a:solidFill>
-                </a:uFill>
-                <a:latin typeface="Arial"/>
-              </a:rPr>
-              <a:t>	</a:t>
-            </a:r>
-            <a:r>
-              <a:rPr b="0" lang="en-US" sz="1050" spc="-1" strike="noStrike">
-                <a:solidFill>
-                  <a:srgbClr val="000000"/>
-                </a:solidFill>
-                <a:uFill>
-                  <a:solidFill>
-                    <a:srgbClr val="ffffff"/>
-                  </a:solidFill>
-                </a:uFill>
-                <a:latin typeface="Arial"/>
-              </a:rPr>
-              <a:t>&lt;/label&gt;</a:t>
-            </a:r>
-            <a:endParaRPr b="0" lang="en-US" sz="1050" spc="-1" strike="noStrike">
-              <a:solidFill>
-                <a:srgbClr val="000000"/>
-              </a:solidFill>
-              <a:uFill>
-                <a:solidFill>
-                  <a:srgbClr val="ffffff"/>
-                </a:solidFill>
-              </a:uFill>
-              <a:latin typeface="Arial"/>
-            </a:endParaRPr>
-          </a:p>
-          <a:p>
-            <a:r>
-              <a:rPr b="0" lang="en-US" sz="1050" spc="-1" strike="noStrike">
-                <a:solidFill>
-                  <a:srgbClr val="000000"/>
-                </a:solidFill>
-                <a:uFill>
-                  <a:solidFill>
-                    <a:srgbClr val="ffffff"/>
-                  </a:solidFill>
-                </a:uFill>
-                <a:latin typeface="Arial"/>
-              </a:rPr>
-              <a:t>	</a:t>
-            </a:r>
-            <a:r>
-              <a:rPr b="0" lang="en-US" sz="1050" spc="-1" strike="noStrike">
-                <a:solidFill>
-                  <a:srgbClr val="000000"/>
-                </a:solidFill>
-                <a:uFill>
-                  <a:solidFill>
-                    <a:srgbClr val="ffffff"/>
-                  </a:solidFill>
-                </a:uFill>
-                <a:latin typeface="Arial"/>
-              </a:rPr>
-              <a:t>	</a:t>
-            </a:r>
-            <a:r>
-              <a:rPr b="0" lang="en-US" sz="1050" spc="-1" strike="noStrike">
-                <a:solidFill>
-                  <a:srgbClr val="000000"/>
-                </a:solidFill>
-                <a:uFill>
-                  <a:solidFill>
-                    <a:srgbClr val="ffffff"/>
-                  </a:solidFill>
-                </a:uFill>
-                <a:latin typeface="Arial"/>
-              </a:rPr>
-              <a:t>	</a:t>
-            </a:r>
-            <a:r>
-              <a:rPr b="0" lang="en-US" sz="1050" spc="-1" strike="noStrike">
-                <a:solidFill>
-                  <a:srgbClr val="000000"/>
-                </a:solidFill>
-                <a:uFill>
-                  <a:solidFill>
-                    <a:srgbClr val="ffffff"/>
-                  </a:solidFill>
-                </a:uFill>
-                <a:latin typeface="Arial"/>
-              </a:rPr>
-              <a:t>	</a:t>
-            </a:r>
-            <a:r>
-              <a:rPr b="0" lang="en-US" sz="1050" spc="-1" strike="noStrike">
-                <a:solidFill>
-                  <a:srgbClr val="000000"/>
-                </a:solidFill>
-                <a:uFill>
-                  <a:solidFill>
-                    <a:srgbClr val="ffffff"/>
-                  </a:solidFill>
-                </a:uFill>
-                <a:latin typeface="Arial"/>
-              </a:rPr>
-              <a:t>	</a:t>
-            </a:r>
-            <a:r>
-              <a:rPr b="0" lang="en-US" sz="1050" spc="-1" strike="noStrike">
-                <a:solidFill>
-                  <a:srgbClr val="000000"/>
-                </a:solidFill>
-                <a:uFill>
-                  <a:solidFill>
-                    <a:srgbClr val="ffffff"/>
-                  </a:solidFill>
-                </a:uFill>
-                <a:latin typeface="Arial"/>
-              </a:rPr>
-              <a:t>	</a:t>
-            </a:r>
-            <a:r>
-              <a:rPr b="0" lang="en-US" sz="1050" spc="-1" strike="noStrike">
-                <a:solidFill>
-                  <a:srgbClr val="000000"/>
-                </a:solidFill>
-                <a:uFill>
-                  <a:solidFill>
-                    <a:srgbClr val="ffffff"/>
-                  </a:solidFill>
-                </a:uFill>
-                <a:latin typeface="Arial"/>
-              </a:rPr>
-              <a:t>	</a:t>
-            </a:r>
-            <a:r>
-              <a:rPr b="0" lang="en-US" sz="1050" spc="-1" strike="noStrike">
-                <a:solidFill>
-                  <a:srgbClr val="000000"/>
-                </a:solidFill>
-                <a:uFill>
-                  <a:solidFill>
-                    <a:srgbClr val="ffffff"/>
-                  </a:solidFill>
-                </a:uFill>
-                <a:latin typeface="Arial"/>
-              </a:rPr>
-              <a:t>&lt;/div&gt;</a:t>
-            </a:r>
-            <a:endParaRPr b="0" lang="en-US" sz="1050" spc="-1" strike="noStrike">
-              <a:solidFill>
-                <a:srgbClr val="000000"/>
-              </a:solidFill>
-              <a:uFill>
-                <a:solidFill>
-                  <a:srgbClr val="ffffff"/>
-                </a:solidFill>
-              </a:uFill>
-              <a:latin typeface="Arial"/>
-            </a:endParaRPr>
-          </a:p>
-          <a:p>
-            <a:r>
-              <a:rPr b="0" lang="en-US" sz="1050" spc="-1" strike="noStrike">
-                <a:solidFill>
-                  <a:srgbClr val="000000"/>
-                </a:solidFill>
-                <a:uFill>
-                  <a:solidFill>
-                    <a:srgbClr val="ffffff"/>
-                  </a:solidFill>
-                </a:uFill>
-                <a:latin typeface="Arial"/>
-              </a:rPr>
-              <a:t>	</a:t>
-            </a:r>
-            <a:r>
-              <a:rPr b="0" lang="en-US" sz="1050" spc="-1" strike="noStrike">
-                <a:solidFill>
-                  <a:srgbClr val="000000"/>
-                </a:solidFill>
-                <a:uFill>
-                  <a:solidFill>
-                    <a:srgbClr val="ffffff"/>
-                  </a:solidFill>
-                </a:uFill>
-                <a:latin typeface="Arial"/>
-              </a:rPr>
-              <a:t>	</a:t>
-            </a:r>
-            <a:r>
-              <a:rPr b="0" lang="en-US" sz="1050" spc="-1" strike="noStrike">
-                <a:solidFill>
-                  <a:srgbClr val="000000"/>
-                </a:solidFill>
-                <a:uFill>
-                  <a:solidFill>
-                    <a:srgbClr val="ffffff"/>
-                  </a:solidFill>
-                </a:uFill>
-                <a:latin typeface="Arial"/>
-              </a:rPr>
-              <a:t>	</a:t>
-            </a:r>
-            <a:r>
-              <a:rPr b="0" lang="en-US" sz="1050" spc="-1" strike="noStrike">
-                <a:solidFill>
-                  <a:srgbClr val="000000"/>
-                </a:solidFill>
-                <a:uFill>
-                  <a:solidFill>
-                    <a:srgbClr val="ffffff"/>
-                  </a:solidFill>
-                </a:uFill>
-                <a:latin typeface="Arial"/>
-              </a:rPr>
-              <a:t>	</a:t>
-            </a:r>
-            <a:r>
-              <a:rPr b="0" lang="en-US" sz="1050" spc="-1" strike="noStrike">
-                <a:solidFill>
-                  <a:srgbClr val="000000"/>
-                </a:solidFill>
-                <a:uFill>
-                  <a:solidFill>
-                    <a:srgbClr val="ffffff"/>
-                  </a:solidFill>
-                </a:uFill>
-                <a:latin typeface="Arial"/>
-              </a:rPr>
-              <a:t>	</a:t>
-            </a:r>
-            <a:r>
-              <a:rPr b="0" lang="en-US" sz="1050" spc="-1" strike="noStrike">
-                <a:solidFill>
-                  <a:srgbClr val="000000"/>
-                </a:solidFill>
-                <a:uFill>
-                  <a:solidFill>
-                    <a:srgbClr val="ffffff"/>
-                  </a:solidFill>
-                </a:uFill>
-                <a:latin typeface="Arial"/>
-              </a:rPr>
-              <a:t>	</a:t>
-            </a:r>
-            <a:r>
-              <a:rPr b="0" lang="en-US" sz="1050" spc="-1" strike="noStrike">
-                <a:solidFill>
-                  <a:srgbClr val="000000"/>
-                </a:solidFill>
-                <a:uFill>
-                  <a:solidFill>
-                    <a:srgbClr val="ffffff"/>
-                  </a:solidFill>
-                </a:uFill>
-                <a:latin typeface="Arial"/>
-              </a:rPr>
-              <a:t>&lt;/div&gt;</a:t>
-            </a:r>
-            <a:endParaRPr b="0" lang="en-US" sz="1050" spc="-1" strike="noStrike">
-              <a:solidFill>
-                <a:srgbClr val="000000"/>
-              </a:solidFill>
-              <a:uFill>
-                <a:solidFill>
-                  <a:srgbClr val="ffffff"/>
-                </a:solidFill>
-              </a:uFill>
-              <a:latin typeface="Arial"/>
-            </a:endParaRPr>
-          </a:p>
-          <a:p>
-            <a:r>
-              <a:rPr b="0" lang="en-US" sz="1050" spc="-1" strike="noStrike">
-                <a:solidFill>
-                  <a:srgbClr val="000000"/>
-                </a:solidFill>
-                <a:uFill>
-                  <a:solidFill>
-                    <a:srgbClr val="ffffff"/>
-                  </a:solidFill>
-                </a:uFill>
-                <a:latin typeface="Arial"/>
-              </a:rPr>
-              <a:t>	</a:t>
-            </a:r>
-            <a:r>
-              <a:rPr b="0" lang="en-US" sz="1050" spc="-1" strike="noStrike">
-                <a:solidFill>
-                  <a:srgbClr val="000000"/>
-                </a:solidFill>
-                <a:uFill>
-                  <a:solidFill>
-                    <a:srgbClr val="ffffff"/>
-                  </a:solidFill>
-                </a:uFill>
-                <a:latin typeface="Arial"/>
-              </a:rPr>
-              <a:t>	</a:t>
-            </a:r>
-            <a:r>
-              <a:rPr b="0" lang="en-US" sz="1050" spc="-1" strike="noStrike">
-                <a:solidFill>
-                  <a:srgbClr val="000000"/>
-                </a:solidFill>
-                <a:uFill>
-                  <a:solidFill>
-                    <a:srgbClr val="ffffff"/>
-                  </a:solidFill>
-                </a:uFill>
-                <a:latin typeface="Arial"/>
-              </a:rPr>
-              <a:t>	</a:t>
-            </a:r>
-            <a:r>
-              <a:rPr b="0" lang="en-US" sz="1050" spc="-1" strike="noStrike">
-                <a:solidFill>
-                  <a:srgbClr val="000000"/>
-                </a:solidFill>
-                <a:uFill>
-                  <a:solidFill>
-                    <a:srgbClr val="ffffff"/>
-                  </a:solidFill>
-                </a:uFill>
-                <a:latin typeface="Arial"/>
-              </a:rPr>
-              <a:t>	</a:t>
-            </a:r>
-            <a:r>
-              <a:rPr b="0" lang="en-US" sz="1050" spc="-1" strike="noStrike">
-                <a:solidFill>
-                  <a:srgbClr val="000000"/>
-                </a:solidFill>
-                <a:uFill>
-                  <a:solidFill>
-                    <a:srgbClr val="ffffff"/>
-                  </a:solidFill>
-                </a:uFill>
-                <a:latin typeface="Arial"/>
-              </a:rPr>
-              <a:t>	</a:t>
-            </a:r>
-            <a:r>
-              <a:rPr b="0" lang="en-US" sz="1050" spc="-1" strike="noStrike">
-                <a:solidFill>
-                  <a:srgbClr val="000000"/>
-                </a:solidFill>
-                <a:uFill>
-                  <a:solidFill>
-                    <a:srgbClr val="ffffff"/>
-                  </a:solidFill>
-                </a:uFill>
-                <a:latin typeface="Arial"/>
-              </a:rPr>
-              <a:t>&lt;/div&gt;</a:t>
-            </a:r>
-            <a:endParaRPr b="0" lang="en-US" sz="1050" spc="-1" strike="noStrike">
-              <a:solidFill>
-                <a:srgbClr val="000000"/>
-              </a:solidFill>
-              <a:uFill>
-                <a:solidFill>
-                  <a:srgbClr val="ffffff"/>
-                </a:solidFill>
-              </a:uFill>
-              <a:latin typeface="Arial"/>
-            </a:endParaRPr>
-          </a:p>
-          <a:p>
-            <a:r>
-              <a:rPr b="0" lang="en-US" sz="1050" spc="-1" strike="noStrike">
-                <a:solidFill>
-                  <a:srgbClr val="000000"/>
-                </a:solidFill>
-                <a:uFill>
-                  <a:solidFill>
-                    <a:srgbClr val="ffffff"/>
-                  </a:solidFill>
-                </a:uFill>
-                <a:latin typeface="Arial"/>
-              </a:rPr>
-              <a:t>	</a:t>
-            </a:r>
-            <a:r>
-              <a:rPr b="0" lang="en-US" sz="1050" spc="-1" strike="noStrike">
-                <a:solidFill>
-                  <a:srgbClr val="000000"/>
-                </a:solidFill>
-                <a:uFill>
-                  <a:solidFill>
-                    <a:srgbClr val="ffffff"/>
-                  </a:solidFill>
-                </a:uFill>
-                <a:latin typeface="Arial"/>
-              </a:rPr>
-              <a:t>	</a:t>
-            </a:r>
-            <a:r>
-              <a:rPr b="0" lang="en-US" sz="1050" spc="-1" strike="noStrike">
-                <a:solidFill>
-                  <a:srgbClr val="000000"/>
-                </a:solidFill>
-                <a:uFill>
-                  <a:solidFill>
-                    <a:srgbClr val="ffffff"/>
-                  </a:solidFill>
-                </a:uFill>
-                <a:latin typeface="Arial"/>
-              </a:rPr>
-              <a:t>	</a:t>
-            </a:r>
-            <a:r>
-              <a:rPr b="0" lang="en-US" sz="1050" spc="-1" strike="noStrike">
-                <a:solidFill>
-                  <a:srgbClr val="000000"/>
-                </a:solidFill>
-                <a:uFill>
-                  <a:solidFill>
-                    <a:srgbClr val="ffffff"/>
-                  </a:solidFill>
-                </a:uFill>
-                <a:latin typeface="Arial"/>
-              </a:rPr>
-              <a:t>	</a:t>
-            </a:r>
-            <a:r>
-              <a:rPr b="0" lang="en-US" sz="1050" spc="-1" strike="noStrike">
-                <a:solidFill>
-                  <a:srgbClr val="000000"/>
-                </a:solidFill>
-                <a:uFill>
-                  <a:solidFill>
-                    <a:srgbClr val="ffffff"/>
-                  </a:solidFill>
-                </a:uFill>
-                <a:latin typeface="Arial"/>
-              </a:rPr>
-              <a:t>&lt;/div&gt;</a:t>
-            </a:r>
-            <a:endParaRPr b="0" lang="en-US" sz="1050" spc="-1" strike="noStrike">
-              <a:solidFill>
-                <a:srgbClr val="000000"/>
-              </a:solidFill>
-              <a:uFill>
-                <a:solidFill>
-                  <a:srgbClr val="ffffff"/>
-                </a:solidFill>
-              </a:uFill>
-              <a:latin typeface="Arial"/>
-            </a:endParaRPr>
-          </a:p>
-          <a:p>
-            <a:endParaRPr b="0" lang="en-US" sz="1050" spc="-1" strike="noStrike">
-              <a:solidFill>
-                <a:srgbClr val="000000"/>
-              </a:solidFill>
-              <a:uFill>
-                <a:solidFill>
-                  <a:srgbClr val="ffffff"/>
-                </a:solidFill>
-              </a:uFill>
-              <a:latin typeface="Arial"/>
-            </a:endParaRPr>
-          </a:p>
-          <a:p>
-            <a:r>
-              <a:rPr b="0" lang="en-US" sz="1050" spc="-1" strike="noStrike">
-                <a:solidFill>
-                  <a:srgbClr val="000000"/>
-                </a:solidFill>
-                <a:uFill>
-                  <a:solidFill>
-                    <a:srgbClr val="ffffff"/>
-                  </a:solidFill>
-                </a:uFill>
-                <a:latin typeface="Arial"/>
-              </a:rPr>
-              <a:t>	</a:t>
-            </a:r>
-            <a:r>
-              <a:rPr b="0" lang="en-US" sz="1050" spc="-1" strike="noStrike">
-                <a:solidFill>
-                  <a:srgbClr val="000000"/>
-                </a:solidFill>
-                <a:uFill>
-                  <a:solidFill>
-                    <a:srgbClr val="ffffff"/>
-                  </a:solidFill>
-                </a:uFill>
-                <a:latin typeface="Arial"/>
-              </a:rPr>
-              <a:t>	</a:t>
-            </a:r>
-            <a:r>
-              <a:rPr b="0" lang="en-US" sz="1050" spc="-1" strike="noStrike">
-                <a:solidFill>
-                  <a:srgbClr val="000000"/>
-                </a:solidFill>
-                <a:uFill>
-                  <a:solidFill>
-                    <a:srgbClr val="ffffff"/>
-                  </a:solidFill>
-                </a:uFill>
-                <a:latin typeface="Arial"/>
-              </a:rPr>
-              <a:t>	</a:t>
-            </a:r>
-            <a:r>
-              <a:rPr b="0" lang="en-US" sz="1050" spc="-1" strike="noStrike">
-                <a:solidFill>
-                  <a:srgbClr val="000000"/>
-                </a:solidFill>
-                <a:uFill>
-                  <a:solidFill>
-                    <a:srgbClr val="ffffff"/>
-                  </a:solidFill>
-                </a:uFill>
-                <a:latin typeface="Arial"/>
-              </a:rPr>
-              <a:t>	</a:t>
-            </a:r>
-            <a:r>
-              <a:rPr b="0" lang="en-US" sz="1050" spc="-1" strike="noStrike">
-                <a:solidFill>
-                  <a:srgbClr val="000000"/>
-                </a:solidFill>
-                <a:uFill>
-                  <a:solidFill>
-                    <a:srgbClr val="ffffff"/>
-                  </a:solidFill>
-                </a:uFill>
-                <a:latin typeface="Arial"/>
-              </a:rPr>
-              <a:t>&lt;div class="pull-right form-group"&gt;</a:t>
-            </a:r>
-            <a:endParaRPr b="0" lang="en-US" sz="1050" spc="-1" strike="noStrike">
-              <a:solidFill>
-                <a:srgbClr val="000000"/>
-              </a:solidFill>
-              <a:uFill>
-                <a:solidFill>
-                  <a:srgbClr val="ffffff"/>
-                </a:solidFill>
-              </a:uFill>
-              <a:latin typeface="Arial"/>
-            </a:endParaRPr>
-          </a:p>
-          <a:p>
-            <a:r>
-              <a:rPr b="0" lang="en-US" sz="1050" spc="-1" strike="noStrike">
-                <a:solidFill>
-                  <a:srgbClr val="000000"/>
-                </a:solidFill>
-                <a:uFill>
-                  <a:solidFill>
-                    <a:srgbClr val="ffffff"/>
-                  </a:solidFill>
-                </a:uFill>
-                <a:latin typeface="Arial"/>
-              </a:rPr>
-              <a:t>	</a:t>
-            </a:r>
-            <a:r>
-              <a:rPr b="0" lang="en-US" sz="1050" spc="-1" strike="noStrike">
-                <a:solidFill>
-                  <a:srgbClr val="000000"/>
-                </a:solidFill>
-                <a:uFill>
-                  <a:solidFill>
-                    <a:srgbClr val="ffffff"/>
-                  </a:solidFill>
-                </a:uFill>
-                <a:latin typeface="Arial"/>
-              </a:rPr>
-              <a:t>	</a:t>
-            </a:r>
-            <a:r>
-              <a:rPr b="0" lang="en-US" sz="1050" spc="-1" strike="noStrike">
-                <a:solidFill>
-                  <a:srgbClr val="000000"/>
-                </a:solidFill>
-                <a:uFill>
-                  <a:solidFill>
-                    <a:srgbClr val="ffffff"/>
-                  </a:solidFill>
-                </a:uFill>
-                <a:latin typeface="Arial"/>
-              </a:rPr>
-              <a:t>	</a:t>
-            </a:r>
-            <a:r>
-              <a:rPr b="0" lang="en-US" sz="1050" spc="-1" strike="noStrike">
-                <a:solidFill>
-                  <a:srgbClr val="000000"/>
-                </a:solidFill>
-                <a:uFill>
-                  <a:solidFill>
-                    <a:srgbClr val="ffffff"/>
-                  </a:solidFill>
-                </a:uFill>
-                <a:latin typeface="Arial"/>
-              </a:rPr>
-              <a:t>	</a:t>
-            </a:r>
-            <a:r>
-              <a:rPr b="0" lang="en-US" sz="1050" spc="-1" strike="noStrike">
-                <a:solidFill>
-                  <a:srgbClr val="000000"/>
-                </a:solidFill>
-                <a:uFill>
-                  <a:solidFill>
-                    <a:srgbClr val="ffffff"/>
-                  </a:solidFill>
-                </a:uFill>
-                <a:latin typeface="Arial"/>
-              </a:rPr>
-              <a:t>	</a:t>
-            </a:r>
-            <a:r>
-              <a:rPr b="0" lang="en-US" sz="1050" spc="-1" strike="noStrike">
-                <a:solidFill>
-                  <a:srgbClr val="000000"/>
-                </a:solidFill>
-                <a:uFill>
-                  <a:solidFill>
-                    <a:srgbClr val="ffffff"/>
-                  </a:solidFill>
-                </a:uFill>
-                <a:latin typeface="Arial"/>
-              </a:rPr>
-              <a:t>&lt;a href="&lt;?php echo $linksDir; ?&gt;members/registration" class="btn btn-link"&gt;&lt;?php echo $clauses-&gt;get('register'); ?&gt;&lt;/a&gt;</a:t>
-            </a:r>
-            <a:endParaRPr b="0" lang="en-US" sz="1050" spc="-1" strike="noStrike">
-              <a:solidFill>
-                <a:srgbClr val="000000"/>
-              </a:solidFill>
-              <a:uFill>
-                <a:solidFill>
-                  <a:srgbClr val="ffffff"/>
-                </a:solidFill>
-              </a:uFill>
-              <a:latin typeface="Arial"/>
-            </a:endParaRPr>
-          </a:p>
-          <a:p>
-            <a:r>
-              <a:rPr b="0" lang="en-US" sz="1050" spc="-1" strike="noStrike">
-                <a:solidFill>
-                  <a:srgbClr val="000000"/>
-                </a:solidFill>
-                <a:uFill>
-                  <a:solidFill>
-                    <a:srgbClr val="ffffff"/>
-                  </a:solidFill>
-                </a:uFill>
-                <a:latin typeface="Arial"/>
-              </a:rPr>
-              <a:t>	</a:t>
-            </a:r>
-            <a:r>
-              <a:rPr b="0" lang="en-US" sz="1050" spc="-1" strike="noStrike">
-                <a:solidFill>
-                  <a:srgbClr val="000000"/>
-                </a:solidFill>
-                <a:uFill>
-                  <a:solidFill>
-                    <a:srgbClr val="ffffff"/>
-                  </a:solidFill>
-                </a:uFill>
-                <a:latin typeface="Arial"/>
-              </a:rPr>
-              <a:t>	</a:t>
-            </a:r>
-            <a:r>
-              <a:rPr b="0" lang="en-US" sz="1050" spc="-1" strike="noStrike">
-                <a:solidFill>
-                  <a:srgbClr val="000000"/>
-                </a:solidFill>
-                <a:uFill>
-                  <a:solidFill>
-                    <a:srgbClr val="ffffff"/>
-                  </a:solidFill>
-                </a:uFill>
-                <a:latin typeface="Arial"/>
-              </a:rPr>
-              <a:t>	</a:t>
-            </a:r>
-            <a:r>
-              <a:rPr b="0" lang="en-US" sz="1050" spc="-1" strike="noStrike">
-                <a:solidFill>
-                  <a:srgbClr val="000000"/>
-                </a:solidFill>
-                <a:uFill>
-                  <a:solidFill>
-                    <a:srgbClr val="ffffff"/>
-                  </a:solidFill>
-                </a:uFill>
-                <a:latin typeface="Arial"/>
-              </a:rPr>
-              <a:t>	</a:t>
-            </a:r>
-            <a:r>
-              <a:rPr b="0" lang="en-US" sz="1050" spc="-1" strike="noStrike">
-                <a:solidFill>
-                  <a:srgbClr val="000000"/>
-                </a:solidFill>
-                <a:uFill>
-                  <a:solidFill>
-                    <a:srgbClr val="ffffff"/>
-                  </a:solidFill>
-                </a:uFill>
-                <a:latin typeface="Arial"/>
-              </a:rPr>
-              <a:t>	</a:t>
-            </a:r>
-            <a:r>
-              <a:rPr b="0" lang="en-US" sz="1050" spc="-1" strike="noStrike">
-                <a:solidFill>
-                  <a:srgbClr val="000000"/>
-                </a:solidFill>
-                <a:uFill>
-                  <a:solidFill>
-                    <a:srgbClr val="ffffff"/>
-                  </a:solidFill>
-                </a:uFill>
-                <a:latin typeface="Arial"/>
-              </a:rPr>
-              <a:t>&lt;button class="btn btn-primary"&gt;&lt;?php echo $clauses-&gt;get('log_in'); ?&gt;&lt;/button&gt;</a:t>
-            </a:r>
-            <a:endParaRPr b="0" lang="en-US" sz="1050" spc="-1" strike="noStrike">
-              <a:solidFill>
-                <a:srgbClr val="000000"/>
-              </a:solidFill>
-              <a:uFill>
-                <a:solidFill>
-                  <a:srgbClr val="ffffff"/>
-                </a:solidFill>
-              </a:uFill>
-              <a:latin typeface="Arial"/>
-            </a:endParaRPr>
-          </a:p>
-          <a:p>
-            <a:r>
-              <a:rPr b="0" lang="en-US" sz="1050" spc="-1" strike="noStrike">
-                <a:solidFill>
-                  <a:srgbClr val="000000"/>
-                </a:solidFill>
-                <a:uFill>
-                  <a:solidFill>
-                    <a:srgbClr val="ffffff"/>
-                  </a:solidFill>
-                </a:uFill>
-                <a:latin typeface="Arial"/>
-              </a:rPr>
-              <a:t>	</a:t>
-            </a:r>
-            <a:r>
-              <a:rPr b="0" lang="en-US" sz="1050" spc="-1" strike="noStrike">
-                <a:solidFill>
-                  <a:srgbClr val="000000"/>
-                </a:solidFill>
-                <a:uFill>
-                  <a:solidFill>
-                    <a:srgbClr val="ffffff"/>
-                  </a:solidFill>
-                </a:uFill>
-                <a:latin typeface="Arial"/>
-              </a:rPr>
-              <a:t>	</a:t>
-            </a:r>
-            <a:r>
-              <a:rPr b="0" lang="en-US" sz="1050" spc="-1" strike="noStrike">
-                <a:solidFill>
-                  <a:srgbClr val="000000"/>
-                </a:solidFill>
-                <a:uFill>
-                  <a:solidFill>
-                    <a:srgbClr val="ffffff"/>
-                  </a:solidFill>
-                </a:uFill>
-                <a:latin typeface="Arial"/>
-              </a:rPr>
-              <a:t>	</a:t>
-            </a:r>
-            <a:r>
-              <a:rPr b="0" lang="en-US" sz="1050" spc="-1" strike="noStrike">
-                <a:solidFill>
-                  <a:srgbClr val="000000"/>
-                </a:solidFill>
-                <a:uFill>
-                  <a:solidFill>
-                    <a:srgbClr val="ffffff"/>
-                  </a:solidFill>
-                </a:uFill>
-                <a:latin typeface="Arial"/>
-              </a:rPr>
-              <a:t>	</a:t>
-            </a:r>
-            <a:r>
-              <a:rPr b="0" lang="en-US" sz="1050" spc="-1" strike="noStrike">
-                <a:solidFill>
-                  <a:srgbClr val="000000"/>
-                </a:solidFill>
-                <a:uFill>
-                  <a:solidFill>
-                    <a:srgbClr val="ffffff"/>
-                  </a:solidFill>
-                </a:uFill>
-                <a:latin typeface="Arial"/>
-              </a:rPr>
-              <a:t>&lt;/div&gt;</a:t>
-            </a:r>
-            <a:endParaRPr b="0" lang="en-US" sz="1050" spc="-1" strike="noStrike">
-              <a:solidFill>
-                <a:srgbClr val="000000"/>
-              </a:solidFill>
-              <a:uFill>
-                <a:solidFill>
-                  <a:srgbClr val="ffffff"/>
-                </a:solidFill>
-              </a:uFill>
-              <a:latin typeface="Arial"/>
-            </a:endParaRPr>
-          </a:p>
-          <a:p>
-            <a:r>
-              <a:rPr b="0" lang="en-US" sz="1050" spc="-1" strike="noStrike">
-                <a:solidFill>
-                  <a:srgbClr val="000000"/>
-                </a:solidFill>
-                <a:uFill>
-                  <a:solidFill>
-                    <a:srgbClr val="ffffff"/>
-                  </a:solidFill>
-                </a:uFill>
-                <a:latin typeface="Arial"/>
-              </a:rPr>
-              <a:t>	</a:t>
-            </a:r>
-            <a:r>
-              <a:rPr b="0" lang="en-US" sz="1050" spc="-1" strike="noStrike">
-                <a:solidFill>
-                  <a:srgbClr val="000000"/>
-                </a:solidFill>
-                <a:uFill>
-                  <a:solidFill>
-                    <a:srgbClr val="ffffff"/>
-                  </a:solidFill>
-                </a:uFill>
-                <a:latin typeface="Arial"/>
-              </a:rPr>
-              <a:t>	</a:t>
-            </a:r>
-            <a:r>
-              <a:rPr b="0" lang="en-US" sz="1050" spc="-1" strike="noStrike">
-                <a:solidFill>
-                  <a:srgbClr val="000000"/>
-                </a:solidFill>
-                <a:uFill>
-                  <a:solidFill>
-                    <a:srgbClr val="ffffff"/>
-                  </a:solidFill>
-                </a:uFill>
-                <a:latin typeface="Arial"/>
-              </a:rPr>
-              <a:t>	</a:t>
-            </a:r>
-            <a:r>
-              <a:rPr b="0" lang="en-US" sz="1050" spc="-1" strike="noStrike">
-                <a:solidFill>
-                  <a:srgbClr val="000000"/>
-                </a:solidFill>
-                <a:uFill>
-                  <a:solidFill>
-                    <a:srgbClr val="ffffff"/>
-                  </a:solidFill>
-                </a:uFill>
-                <a:latin typeface="Arial"/>
-              </a:rPr>
-              <a:t>&lt;/div&gt;</a:t>
-            </a:r>
-            <a:endParaRPr b="0" lang="en-US" sz="1050" spc="-1" strike="noStrike">
-              <a:solidFill>
-                <a:srgbClr val="000000"/>
-              </a:solidFill>
-              <a:uFill>
-                <a:solidFill>
-                  <a:srgbClr val="ffffff"/>
-                </a:solidFill>
-              </a:uFill>
-              <a:latin typeface="Arial"/>
-            </a:endParaRPr>
-          </a:p>
-          <a:p>
-            <a:r>
-              <a:rPr b="0" lang="en-US" sz="1050" spc="-1" strike="noStrike">
-                <a:solidFill>
-                  <a:srgbClr val="000000"/>
-                </a:solidFill>
-                <a:uFill>
-                  <a:solidFill>
-                    <a:srgbClr val="ffffff"/>
-                  </a:solidFill>
-                </a:uFill>
-                <a:latin typeface="Arial"/>
-              </a:rPr>
-              <a:t>	</a:t>
-            </a:r>
-            <a:r>
-              <a:rPr b="0" lang="en-US" sz="1050" spc="-1" strike="noStrike">
-                <a:solidFill>
-                  <a:srgbClr val="000000"/>
-                </a:solidFill>
-                <a:uFill>
-                  <a:solidFill>
-                    <a:srgbClr val="ffffff"/>
-                  </a:solidFill>
-                </a:uFill>
-                <a:latin typeface="Arial"/>
-              </a:rPr>
-              <a:t>&lt;/form&gt;</a:t>
-            </a:r>
-            <a:endParaRPr b="0" lang="en-US" sz="1050" spc="-1" strike="noStrike">
-              <a:solidFill>
-                <a:srgbClr val="000000"/>
-              </a:solidFill>
-              <a:uFill>
-                <a:solidFill>
-                  <a:srgbClr val="ffffff"/>
-                </a:solidFill>
-              </a:uFill>
-              <a:latin typeface="Arial"/>
-            </a:endParaRPr>
-          </a:p>
-        </p:txBody>
-      </p:sp>
+      </p:pic>
     </p:spTree>
   </p:cSld>
   <p:timing>
@@ -15188,7 +11281,7 @@
         <p:spPr>
           <a:xfrm>
             <a:off x="838080" y="365040"/>
-            <a:ext cx="10514160" cy="1324080"/>
+            <a:ext cx="10513800" cy="1323720"/>
           </a:xfrm>
           <a:prstGeom prst="rect">
             <a:avLst/>
@@ -15254,7 +11347,7 @@
         <p:spPr>
           <a:xfrm>
             <a:off x="1788480" y="1370880"/>
-            <a:ext cx="8614440" cy="3710520"/>
+            <a:ext cx="8614080" cy="3710160"/>
           </a:xfrm>
           <a:prstGeom prst="rect">
             <a:avLst/>
@@ -15273,7 +11366,7 @@
         <p:spPr>
           <a:xfrm>
             <a:off x="4002480" y="5328000"/>
-            <a:ext cx="4186440" cy="346320"/>
+            <a:ext cx="4186080" cy="345960"/>
           </a:xfrm>
           <a:prstGeom prst="rect">
             <a:avLst/>
@@ -15379,7 +11472,7 @@
         <p:spPr>
           <a:xfrm>
             <a:off x="838080" y="365040"/>
-            <a:ext cx="10514160" cy="1324080"/>
+            <a:ext cx="10513800" cy="1323720"/>
           </a:xfrm>
           <a:prstGeom prst="rect">
             <a:avLst/>
@@ -15441,7 +11534,7 @@
         <p:spPr>
           <a:xfrm>
             <a:off x="2016360" y="2410200"/>
-            <a:ext cx="8223840" cy="2469240"/>
+            <a:ext cx="8223480" cy="2468880"/>
           </a:xfrm>
           <a:prstGeom prst="rect">
             <a:avLst/>
@@ -15496,7 +11589,7 @@
             </a:endParaRPr>
           </a:p>
           <a:p>
-            <a:pPr marL="228600" indent="-227160">
+            <a:pPr marL="228600" indent="-226800">
               <a:lnSpc>
                 <a:spcPct val="90000"/>
               </a:lnSpc>
@@ -15537,7 +11630,7 @@
             </a:endParaRPr>
           </a:p>
           <a:p>
-            <a:pPr marL="228600" indent="-227160">
+            <a:pPr marL="228600" indent="-226800">
               <a:lnSpc>
                 <a:spcPct val="90000"/>
               </a:lnSpc>
@@ -15578,7 +11671,7 @@
             </a:endParaRPr>
           </a:p>
           <a:p>
-            <a:pPr marL="228600" indent="-227160">
+            <a:pPr marL="228600" indent="-226800">
               <a:lnSpc>
                 <a:spcPct val="90000"/>
               </a:lnSpc>
@@ -15678,7 +11771,7 @@
         <p:spPr>
           <a:xfrm>
             <a:off x="838080" y="365040"/>
-            <a:ext cx="10514160" cy="1324080"/>
+            <a:ext cx="10513800" cy="1323720"/>
           </a:xfrm>
           <a:prstGeom prst="rect">
             <a:avLst/>
@@ -15744,7 +11837,7 @@
         <p:spPr>
           <a:xfrm>
             <a:off x="322560" y="4895640"/>
-            <a:ext cx="3850920" cy="1560960"/>
+            <a:ext cx="3850560" cy="1560600"/>
           </a:xfrm>
           <a:prstGeom prst="rect">
             <a:avLst/>
@@ -15763,7 +11856,7 @@
         <p:spPr>
           <a:xfrm>
             <a:off x="464400" y="1690560"/>
-            <a:ext cx="3093480" cy="363600"/>
+            <a:ext cx="3093120" cy="363240"/>
           </a:xfrm>
           <a:prstGeom prst="rect">
             <a:avLst/>
@@ -15829,7 +11922,7 @@
         <p:spPr>
           <a:xfrm>
             <a:off x="926280" y="2392560"/>
-            <a:ext cx="2169360" cy="2169360"/>
+            <a:ext cx="2169000" cy="2169000"/>
           </a:xfrm>
           <a:prstGeom prst="rect">
             <a:avLst/>
@@ -15852,7 +11945,7 @@
         <p:spPr>
           <a:xfrm>
             <a:off x="4938120" y="2065320"/>
-            <a:ext cx="6844320" cy="3755880"/>
+            <a:ext cx="6843960" cy="3755520"/>
           </a:xfrm>
           <a:prstGeom prst="rect">
             <a:avLst/>
@@ -15920,7 +12013,7 @@
         <p:spPr>
           <a:xfrm>
             <a:off x="838080" y="365040"/>
-            <a:ext cx="10514160" cy="899640"/>
+            <a:ext cx="10513800" cy="899280"/>
           </a:xfrm>
           <a:prstGeom prst="rect">
             <a:avLst/>
@@ -15986,7 +12079,7 @@
         <p:spPr>
           <a:xfrm>
             <a:off x="1225080" y="1073160"/>
-            <a:ext cx="9740880" cy="5783400"/>
+            <a:ext cx="9740520" cy="5783040"/>
           </a:xfrm>
           <a:prstGeom prst="rect">
             <a:avLst/>
@@ -16058,7 +12151,7 @@
         <p:spPr>
           <a:xfrm>
             <a:off x="437400" y="1008000"/>
-            <a:ext cx="11316600" cy="5541480"/>
+            <a:ext cx="11316240" cy="5541120"/>
           </a:xfrm>
           <a:prstGeom prst="rect">
             <a:avLst/>
@@ -16077,7 +12170,7 @@
         <p:spPr>
           <a:xfrm>
             <a:off x="838080" y="365040"/>
-            <a:ext cx="10514160" cy="1324080"/>
+            <a:ext cx="10513800" cy="1323720"/>
           </a:xfrm>
           <a:prstGeom prst="rect">
             <a:avLst/>
@@ -16192,7 +12285,7 @@
         <p:spPr>
           <a:xfrm>
             <a:off x="303840" y="677880"/>
-            <a:ext cx="11583720" cy="5501520"/>
+            <a:ext cx="11583360" cy="5501160"/>
           </a:xfrm>
           <a:prstGeom prst="rect">
             <a:avLst/>
@@ -16260,7 +12353,7 @@
         <p:spPr>
           <a:xfrm>
             <a:off x="838080" y="365040"/>
-            <a:ext cx="10514160" cy="1324080"/>
+            <a:ext cx="10513800" cy="1323720"/>
           </a:xfrm>
           <a:prstGeom prst="rect">
             <a:avLst/>
@@ -16326,7 +12419,7 @@
         <p:spPr>
           <a:xfrm>
             <a:off x="1524240" y="1372680"/>
-            <a:ext cx="9142560" cy="6856560"/>
+            <a:ext cx="9142200" cy="6856200"/>
           </a:xfrm>
           <a:prstGeom prst="rect">
             <a:avLst/>
@@ -16394,7 +12487,7 @@
         <p:spPr>
           <a:xfrm>
             <a:off x="838080" y="365040"/>
-            <a:ext cx="10514160" cy="1324080"/>
+            <a:ext cx="10513800" cy="1323720"/>
           </a:xfrm>
           <a:prstGeom prst="rect">
             <a:avLst/>
@@ -16460,7 +12553,7 @@
         <p:spPr>
           <a:xfrm>
             <a:off x="2495880" y="1379520"/>
-            <a:ext cx="7199640" cy="5307120"/>
+            <a:ext cx="7199280" cy="5306760"/>
           </a:xfrm>
           <a:prstGeom prst="rect">
             <a:avLst/>
@@ -16528,7 +12621,7 @@
         <p:spPr>
           <a:xfrm>
             <a:off x="861120" y="115200"/>
-            <a:ext cx="10514160" cy="1324080"/>
+            <a:ext cx="10513800" cy="1323720"/>
           </a:xfrm>
           <a:prstGeom prst="rect">
             <a:avLst/>
@@ -16590,7 +12683,7 @@
         <p:spPr>
           <a:xfrm>
             <a:off x="2405520" y="3649320"/>
-            <a:ext cx="7380000" cy="2469960"/>
+            <a:ext cx="7379640" cy="2469600"/>
           </a:xfrm>
           <a:prstGeom prst="rect">
             <a:avLst/>
@@ -17507,7 +13600,7 @@
         <p:spPr>
           <a:xfrm>
             <a:off x="3447360" y="1425240"/>
-            <a:ext cx="5296320" cy="2102040"/>
+            <a:ext cx="5295960" cy="2101680"/>
           </a:xfrm>
           <a:prstGeom prst="rect">
             <a:avLst/>
@@ -18061,7 +14154,7 @@
         <p:spPr>
           <a:xfrm>
             <a:off x="1772640" y="6264000"/>
-            <a:ext cx="8645760" cy="369000"/>
+            <a:ext cx="8645400" cy="368640"/>
           </a:xfrm>
           <a:prstGeom prst="rect">
             <a:avLst/>
@@ -18172,7 +14265,7 @@
         <p:spPr>
           <a:xfrm>
             <a:off x="838440" y="-360000"/>
-            <a:ext cx="10514160" cy="1324080"/>
+            <a:ext cx="10513800" cy="1323720"/>
           </a:xfrm>
           <a:prstGeom prst="rect">
             <a:avLst/>
@@ -18234,7 +14327,7 @@
         <p:spPr>
           <a:xfrm>
             <a:off x="164880" y="695880"/>
-            <a:ext cx="11861640" cy="5925960"/>
+            <a:ext cx="11861280" cy="5925600"/>
           </a:xfrm>
           <a:prstGeom prst="rect">
             <a:avLst/>
